--- a/발표/2DGP 게임 계획발표01.pptx
+++ b/발표/2DGP 게임 계획발표01.pptx
@@ -8,9 +8,9 @@
     <p:sldId id="257" r:id="rId2"/>
     <p:sldId id="258" r:id="rId3"/>
     <p:sldId id="259" r:id="rId4"/>
-    <p:sldId id="265" r:id="rId5"/>
-    <p:sldId id="262" r:id="rId6"/>
-    <p:sldId id="261" r:id="rId7"/>
+    <p:sldId id="262" r:id="rId5"/>
+    <p:sldId id="261" r:id="rId6"/>
+    <p:sldId id="263" r:id="rId7"/>
   </p:sldIdLst>
   <p:sldSz cx="12192000" cy="6858000"/>
   <p:notesSz cx="6858000" cy="9144000"/>
@@ -117,90 +117,6 @@
 </p:presentation>
 </file>
 
-<file path=ppt/ink/ink1.xml><?xml version="1.0" encoding="utf-8"?>
-<inkml:ink xmlns:inkml="http://www.w3.org/2003/InkML">
-  <inkml:definitions>
-    <inkml:context xml:id="ctx0">
-      <inkml:inkSource xml:id="inkSrc0">
-        <inkml:traceFormat>
-          <inkml:channel name="X" type="integer" min="-2.14748E9" max="2.14748E9" units="cm"/>
-          <inkml:channel name="Y" type="integer" min="-2.14748E9" max="2.14748E9" units="cm"/>
-          <inkml:channel name="F" type="integer" max="32767" units="dev"/>
-        </inkml:traceFormat>
-        <inkml:channelProperties>
-          <inkml:channelProperty channel="X" name="resolution" value="1000" units="1/cm"/>
-          <inkml:channelProperty channel="Y" name="resolution" value="1000" units="1/cm"/>
-          <inkml:channelProperty channel="F" name="resolution" value="0" units="1/dev"/>
-        </inkml:channelProperties>
-      </inkml:inkSource>
-      <inkml:timestamp xml:id="ts0" timeString="2021-09-26T02:07:30.764"/>
-    </inkml:context>
-    <inkml:brush xml:id="br0">
-      <inkml:brushProperty name="width" value="0.35" units="cm"/>
-      <inkml:brushProperty name="height" value="0.35" units="cm"/>
-      <inkml:brushProperty name="color" value="#008C3A"/>
-    </inkml:brush>
-  </inkml:definitions>
-  <inkml:trace contextRef="#ctx0" brushRef="#br0">1 2 24575,'211'-1'0,"239"3"0,-212 15 0,-37-2 0,-175-15 0,-6 1 0,0 0 0,0 1 0,29 6 0,-45-7 0,0 0 0,0 0 0,1 1 0,-1-1 0,-1 1 0,1 0 0,0 0 0,0 1 0,-1-1 0,1 1 0,-1-1 0,0 1 0,0 0 0,0 0 0,0 1 0,0-1 0,-1 1 0,1-1 0,-1 1 0,0 0 0,0 0 0,1 4 0,1 14 0,-1 0 0,0 0 0,-2 1 0,-1 0 0,-4 41 0,2-22 0,-7 569 0,26-440 0,1 46 0,-18-207 0,1 21 0,-1-1 0,-1 1 0,-2 0 0,-2-1 0,-8 35 0,8-49 0,-1 1 0,0-1 0,-1 1 0,-1-2 0,-11 19 0,15-29 0,0 0 0,0 0 0,-1 0 0,0 0 0,1-1 0,-2 1 0,1-1 0,0-1 0,-1 1 0,0-1 0,0 0 0,0 0 0,0 0 0,0-1 0,0 0 0,-14 2 0,-23 0 0,1-2 0,-1-1 0,-48-7 0,-9 1 0,-28 5 0,-63-2 0,178 1 0,0-1 0,0 0 0,1-1 0,-1 0 0,1-1 0,0 0 0,0-1 0,0 0 0,1-1 0,-1 0 0,-16-14 0,20 14 0,1-1 0,-1 1 0,2-1 0,-1-1 0,1 1 0,0-1 0,1-1 0,-1 1 0,2-1 0,-1 1 0,1-1 0,1 0 0,-1-1 0,2 1 0,-4-19 0,-2-16 0,-15-47 0,13 55 0,1 0 0,-6-57 0,12-272 0,6 189 0,-3-117 0,-1 288 0,1 0 0,0 0 0,0 0 0,1 0 0,-1-1 0,1 1 0,0 0 0,1 0 0,-1 1 0,1-1 0,0 0 0,0 0 0,1 1 0,-1-1 0,1 1 0,0 0 0,0 0 0,0 0 0,1 0 0,-1 1 0,1-1 0,0 1 0,0 0 0,6-4 0,14-7 0,0 0 0,1 2 0,0 1 0,1 1 0,0 1 0,1 1 0,0 1 0,0 2 0,1 0 0,-1 2 0,1 2 0,-1 0 0,30 3 0,-43-1 0,1 1 0,-1 1 0,0 0 0,21 7 0,-30-8 0,0 0 0,0 0 0,0 1 0,0 0 0,-1 0 0,1 0 0,-1 0 0,0 0 0,0 1 0,0 0 0,0 0 0,-1 0 0,1 0 0,-1 1 0,4 6 0,-2 1 0,-1 1 0,0 0 0,-1-1 0,0 1 0,-1 0 0,-1 1 0,0-1 0,0 0 0,-1 0 0,-3 21 0,-1-8 0,-1 0 0,-1 0 0,-1-1 0,-14 34 0,-15 16 0,25-56 0,1 0 0,1 1 0,1-1 0,1 2 0,1-1 0,-7 35 0,13-52 0,0 1 0,0-1 0,0 1 0,0-1 0,0 1 0,1-1 0,0 0 0,-1 1 0,1-1 0,0 0 0,1 1 0,-1-1 0,1 0 0,-1 0 0,1 0 0,4 4 0,-3-3 0,1 0 0,0-1 0,0 1 0,0-1 0,1 0 0,-1 0 0,1-1 0,0 1 0,9 2 0,7 1 0,0-1 0,0-1 0,0-1 0,28 1 0,24-3 0,-45-1 0,1 1 0,-1 1 0,33 7 0,-59-9 0,-1 0 0,0 0 0,0 0 0,0 0 0,0 1 0,0-1 0,1 0 0,-1 1 0,0-1 0,0 1 0,0-1 0,0 1 0,0-1 0,0 1 0,0 0 0,-1-1 0,1 1 0,0 0 0,0 0 0,0 0 0,-1 0 0,1 0 0,0-1 0,-1 1 0,1 0 0,-1 1 0,1-1 0,-1 0 0,0 0 0,1 0 0,-1 0 0,0 2 0,0 1 0,-1-1 0,0 1 0,0-1 0,-1 1 0,1-1 0,-1 0 0,0 1 0,-2 3 0,-4 7 0,-22 58 0,21-48 0,-14 30 0,-20 18 0,-56 73 0,24-38 0,38-53-1365</inkml:trace>
-</inkml:ink>
-</file>
-
-<file path=ppt/ink/ink2.xml><?xml version="1.0" encoding="utf-8"?>
-<inkml:ink xmlns:inkml="http://www.w3.org/2003/InkML">
-  <inkml:definitions>
-    <inkml:context xml:id="ctx0">
-      <inkml:inkSource xml:id="inkSrc0">
-        <inkml:traceFormat>
-          <inkml:channel name="X" type="integer" min="-2.14748E9" max="2.14748E9" units="cm"/>
-          <inkml:channel name="Y" type="integer" min="-2.14748E9" max="2.14748E9" units="cm"/>
-          <inkml:channel name="F" type="integer" max="32767" units="dev"/>
-        </inkml:traceFormat>
-        <inkml:channelProperties>
-          <inkml:channelProperty channel="X" name="resolution" value="1000" units="1/cm"/>
-          <inkml:channelProperty channel="Y" name="resolution" value="1000" units="1/cm"/>
-          <inkml:channelProperty channel="F" name="resolution" value="0" units="1/dev"/>
-        </inkml:channelProperties>
-      </inkml:inkSource>
-      <inkml:timestamp xml:id="ts0" timeString="2021-09-26T02:07:31.729"/>
-    </inkml:context>
-    <inkml:brush xml:id="br0">
-      <inkml:brushProperty name="width" value="0.35" units="cm"/>
-      <inkml:brushProperty name="height" value="0.35" units="cm"/>
-      <inkml:brushProperty name="color" value="#008C3A"/>
-    </inkml:brush>
-  </inkml:definitions>
-  <inkml:trace contextRef="#ctx0" brushRef="#br0">1 174 24575,'0'-12'0,"5"-15"0,9-10 0,8 1 0,5 8 0,5 7 0,3 9 0</inkml:trace>
-</inkml:ink>
-</file>
-
-<file path=ppt/ink/ink3.xml><?xml version="1.0" encoding="utf-8"?>
-<inkml:ink xmlns:inkml="http://www.w3.org/2003/InkML">
-  <inkml:definitions>
-    <inkml:context xml:id="ctx0">
-      <inkml:inkSource xml:id="inkSrc0">
-        <inkml:traceFormat>
-          <inkml:channel name="X" type="integer" min="-2.14748E9" max="2.14748E9" units="cm"/>
-          <inkml:channel name="Y" type="integer" min="-2.14748E9" max="2.14748E9" units="cm"/>
-          <inkml:channel name="F" type="integer" max="32767" units="dev"/>
-        </inkml:traceFormat>
-        <inkml:channelProperties>
-          <inkml:channelProperty channel="X" name="resolution" value="1000" units="1/cm"/>
-          <inkml:channelProperty channel="Y" name="resolution" value="1000" units="1/cm"/>
-          <inkml:channelProperty channel="F" name="resolution" value="0" units="1/dev"/>
-        </inkml:channelProperties>
-      </inkml:inkSource>
-      <inkml:timestamp xml:id="ts0" timeString="2021-09-26T02:07:33.268"/>
-    </inkml:context>
-    <inkml:brush xml:id="br0">
-      <inkml:brushProperty name="width" value="0.35" units="cm"/>
-      <inkml:brushProperty name="height" value="0.35" units="cm"/>
-      <inkml:brushProperty name="color" value="#008C3A"/>
-    </inkml:brush>
-  </inkml:definitions>
-  <inkml:trace contextRef="#ctx0" brushRef="#br0">110 0 24575,'0'85'0,"2"-13"0,-4 1 0,-12 84 0,8-120 0,3-11 0,-2 0 0,0-1 0,-16 43 0,10-44 0,2 0 0,1 0 0,0 0 0,2 1 0,1 1 0,1-1 0,0 28 0,4 325 0,3-143 0,-3 192 0,1-399-79,3 0 0,0 0 1,2-1-1,12 40 0,-9-38-892</inkml:trace>
-</inkml:ink>
-</file>
-
 <file path=ppt/slideLayouts/slideLayout1.xml><?xml version="1.0" encoding="utf-8"?>
 <p:sldLayout xmlns:a="http://schemas.openxmlformats.org/drawingml/2006/main" xmlns:r="http://schemas.openxmlformats.org/officeDocument/2006/relationships" xmlns:p="http://schemas.openxmlformats.org/presentationml/2006/main" type="title" preserve="1">
   <p:cSld name="제목 슬라이드">
@@ -355,7 +271,7 @@
                 </a:solidFill>
               </a:rPr>
               <a:pPr/>
-              <a:t>2021-09-26</a:t>
+              <a:t>2021-10-20</a:t>
             </a:fld>
             <a:endParaRPr lang="ko-KR" altLang="en-US">
               <a:solidFill>
@@ -585,7 +501,7 @@
                 </a:solidFill>
               </a:rPr>
               <a:pPr/>
-              <a:t>2021-09-26</a:t>
+              <a:t>2021-10-20</a:t>
             </a:fld>
             <a:endParaRPr lang="ko-KR" altLang="en-US">
               <a:solidFill>
@@ -825,7 +741,7 @@
                 </a:solidFill>
               </a:rPr>
               <a:pPr/>
-              <a:t>2021-09-26</a:t>
+              <a:t>2021-10-20</a:t>
             </a:fld>
             <a:endParaRPr lang="ko-KR" altLang="en-US">
               <a:solidFill>
@@ -1055,7 +971,7 @@
                 </a:solidFill>
               </a:rPr>
               <a:pPr/>
-              <a:t>2021-09-26</a:t>
+              <a:t>2021-10-20</a:t>
             </a:fld>
             <a:endParaRPr lang="ko-KR" altLang="en-US">
               <a:solidFill>
@@ -1362,7 +1278,7 @@
                 </a:solidFill>
               </a:rPr>
               <a:pPr/>
-              <a:t>2021-09-26</a:t>
+              <a:t>2021-10-20</a:t>
             </a:fld>
             <a:endParaRPr lang="ko-KR" altLang="en-US">
               <a:solidFill>
@@ -1659,7 +1575,7 @@
                 </a:solidFill>
               </a:rPr>
               <a:pPr/>
-              <a:t>2021-09-26</a:t>
+              <a:t>2021-10-20</a:t>
             </a:fld>
             <a:endParaRPr lang="ko-KR" altLang="en-US">
               <a:solidFill>
@@ -2103,7 +2019,7 @@
                 </a:solidFill>
               </a:rPr>
               <a:pPr/>
-              <a:t>2021-09-26</a:t>
+              <a:t>2021-10-20</a:t>
             </a:fld>
             <a:endParaRPr lang="ko-KR" altLang="en-US">
               <a:solidFill>
@@ -2276,7 +2192,7 @@
                 </a:solidFill>
               </a:rPr>
               <a:pPr/>
-              <a:t>2021-09-26</a:t>
+              <a:t>2021-10-20</a:t>
             </a:fld>
             <a:endParaRPr lang="ko-KR" altLang="en-US">
               <a:solidFill>
@@ -2421,7 +2337,7 @@
                 </a:solidFill>
               </a:rPr>
               <a:pPr/>
-              <a:t>2021-09-26</a:t>
+              <a:t>2021-10-20</a:t>
             </a:fld>
             <a:endParaRPr lang="ko-KR" altLang="en-US">
               <a:solidFill>
@@ -2764,7 +2680,7 @@
                 </a:solidFill>
               </a:rPr>
               <a:pPr/>
-              <a:t>2021-09-26</a:t>
+              <a:t>2021-10-20</a:t>
             </a:fld>
             <a:endParaRPr lang="ko-KR" altLang="en-US">
               <a:solidFill>
@@ -3084,7 +3000,7 @@
                 </a:solidFill>
               </a:rPr>
               <a:pPr/>
-              <a:t>2021-09-26</a:t>
+              <a:t>2021-10-20</a:t>
             </a:fld>
             <a:endParaRPr lang="ko-KR" altLang="en-US">
               <a:solidFill>
@@ -3357,7 +3273,7 @@
                 </a:solidFill>
               </a:rPr>
               <a:pPr/>
-              <a:t>2021-09-26</a:t>
+              <a:t>2021-10-20</a:t>
             </a:fld>
             <a:endParaRPr lang="ko-KR" altLang="en-US">
               <a:solidFill>
@@ -4104,7 +4020,7 @@
                     </a:prstClr>
                   </a:solidFill>
                 </a:rPr>
-                <a:t>2DGP 1</a:t>
+                <a:t>2DGP 2</a:t>
               </a:r>
               <a:r>
                 <a:rPr lang="ko-KR" altLang="en-US" sz="4400" b="1" i="1" kern="0" dirty="0">
@@ -4115,7 +4031,7 @@
                     </a:prstClr>
                   </a:solidFill>
                 </a:rPr>
-                <a:t>차 프로젝트</a:t>
+                <a:t>차 발표</a:t>
               </a:r>
               <a:endParaRPr lang="en-US" altLang="ko-KR" sz="4400" b="1" i="1" kern="0" dirty="0">
                 <a:solidFill>
@@ -4263,7 +4179,7 @@
         </p:nvGrpSpPr>
         <p:grpSpPr>
           <a:xfrm>
-            <a:off x="-1" y="0"/>
+            <a:off x="-1" y="385805"/>
             <a:ext cx="12192001" cy="6858000"/>
             <a:chOff x="-1" y="0"/>
             <a:chExt cx="12192001" cy="6858000"/>
@@ -4581,7 +4497,7 @@
         </p:nvSpPr>
         <p:spPr>
           <a:xfrm>
-            <a:off x="5065185" y="5021637"/>
+            <a:off x="5114611" y="5213169"/>
             <a:ext cx="2061629" cy="828674"/>
           </a:xfrm>
           <a:prstGeom prst="roundRect">
@@ -4623,13 +4539,18 @@
           <a:p>
             <a:pPr algn="ctr"/>
             <a:r>
-              <a:rPr lang="ko-KR" altLang="en-US" sz="2400" b="1" dirty="0">
+              <a:rPr lang="ko-KR" altLang="en-US" sz="2400" b="1" dirty="0" err="1">
                 <a:solidFill>
                   <a:srgbClr val="1A73DE"/>
                 </a:solidFill>
               </a:rPr>
-              <a:t>개발범위</a:t>
+              <a:t>깃허브</a:t>
             </a:r>
+            <a:endParaRPr lang="ko-KR" altLang="en-US" sz="2400" b="1" dirty="0">
+              <a:solidFill>
+                <a:srgbClr val="1A73DE"/>
+              </a:solidFill>
+            </a:endParaRPr>
           </a:p>
         </p:txBody>
       </p:sp>
@@ -4641,7 +4562,7 @@
         </p:nvSpPr>
         <p:spPr>
           <a:xfrm>
-            <a:off x="5065185" y="1661836"/>
+            <a:off x="5114611" y="1853368"/>
             <a:ext cx="2061629" cy="922057"/>
           </a:xfrm>
           <a:prstGeom prst="roundRect">
@@ -4712,7 +4633,7 @@
         </p:nvSpPr>
         <p:spPr>
           <a:xfrm>
-            <a:off x="5065185" y="3920567"/>
+            <a:off x="5114611" y="4112099"/>
             <a:ext cx="2061629" cy="922057"/>
           </a:xfrm>
           <a:prstGeom prst="roundRect">
@@ -4778,7 +4699,7 @@
         </p:nvSpPr>
         <p:spPr>
           <a:xfrm>
-            <a:off x="3911037" y="1691165"/>
+            <a:off x="3960463" y="1864162"/>
             <a:ext cx="892728" cy="892728"/>
           </a:xfrm>
           <a:prstGeom prst="flowChartConnector">
@@ -4828,7 +4749,7 @@
         </p:nvSpPr>
         <p:spPr>
           <a:xfrm>
-            <a:off x="3911037" y="2789519"/>
+            <a:off x="3960463" y="2981051"/>
             <a:ext cx="892728" cy="902448"/>
           </a:xfrm>
           <a:prstGeom prst="flowChartConnector">
@@ -4889,7 +4810,7 @@
         </p:nvSpPr>
         <p:spPr>
           <a:xfrm>
-            <a:off x="3911037" y="3949896"/>
+            <a:off x="3960463" y="4141428"/>
             <a:ext cx="892728" cy="892728"/>
           </a:xfrm>
           <a:prstGeom prst="flowChartConnector">
@@ -4939,7 +4860,7 @@
         </p:nvSpPr>
         <p:spPr>
           <a:xfrm>
-            <a:off x="5065185" y="2826406"/>
+            <a:off x="5114611" y="3017938"/>
             <a:ext cx="2061629" cy="828674"/>
           </a:xfrm>
           <a:prstGeom prst="roundRect">
@@ -4986,7 +4907,7 @@
                   <a:srgbClr val="1A73DE"/>
                 </a:solidFill>
               </a:rPr>
-              <a:t>게임실행흐름</a:t>
+              <a:t>개발범위</a:t>
             </a:r>
           </a:p>
         </p:txBody>
@@ -5005,7 +4926,7 @@
         </p:nvSpPr>
         <p:spPr>
           <a:xfrm>
-            <a:off x="3911037" y="4984750"/>
+            <a:off x="3960463" y="5176282"/>
             <a:ext cx="892728" cy="902448"/>
           </a:xfrm>
           <a:prstGeom prst="flowChartConnector">
@@ -5464,7 +5385,7 @@
         <p:spPr>
           <a:xfrm>
             <a:off x="1934747" y="3552475"/>
-            <a:ext cx="1107996" cy="454292"/>
+            <a:ext cx="958917" cy="454292"/>
           </a:xfrm>
           <a:prstGeom prst="rect">
             <a:avLst/>
@@ -5490,7 +5411,7 @@
                   </a:prstClr>
                 </a:solidFill>
               </a:rPr>
-              <a:t>던전탐험</a:t>
+              <a:t>맵 탐험</a:t>
             </a:r>
             <a:endParaRPr lang="en-US" altLang="ko-KR" b="1" dirty="0">
               <a:solidFill>
@@ -5738,14 +5659,6 @@
             <a:pPr algn="ctr"/>
             <a:r>
               <a:rPr lang="ko-KR" altLang="en-US" sz="2000" b="1" dirty="0" err="1"/>
-              <a:t>문라이트와</a:t>
-            </a:r>
-            <a:r>
-              <a:rPr lang="ko-KR" altLang="en-US" sz="2000" b="1" dirty="0"/>
-              <a:t> </a:t>
-            </a:r>
-            <a:r>
-              <a:rPr lang="ko-KR" altLang="en-US" sz="2000" b="1" dirty="0" err="1"/>
               <a:t>슈퍼마리오</a:t>
             </a:r>
             <a:r>
@@ -5769,677 +5682,6 @@
 </file>
 
 <file path=ppt/slides/slide4.xml><?xml version="1.0" encoding="utf-8"?>
-<p:sld xmlns:a="http://schemas.openxmlformats.org/drawingml/2006/main" xmlns:r="http://schemas.openxmlformats.org/officeDocument/2006/relationships" xmlns:p="http://schemas.openxmlformats.org/presentationml/2006/main">
-  <p:cSld>
-    <p:bg>
-      <p:bgPr>
-        <a:solidFill>
-          <a:schemeClr val="accent1">
-            <a:lumMod val="20000"/>
-            <a:lumOff val="80000"/>
-          </a:schemeClr>
-        </a:solidFill>
-        <a:effectLst/>
-      </p:bgPr>
-    </p:bg>
-    <p:spTree>
-      <p:nvGrpSpPr>
-        <p:cNvPr id="1" name=""/>
-        <p:cNvGrpSpPr/>
-        <p:nvPr/>
-      </p:nvGrpSpPr>
-      <p:grpSpPr>
-        <a:xfrm>
-          <a:off x="0" y="0"/>
-          <a:ext cx="0" cy="0"/>
-          <a:chOff x="0" y="0"/>
-          <a:chExt cx="0" cy="0"/>
-        </a:xfrm>
-      </p:grpSpPr>
-      <p:grpSp>
-        <p:nvGrpSpPr>
-          <p:cNvPr id="2" name="그룹 1"/>
-          <p:cNvGrpSpPr/>
-          <p:nvPr/>
-        </p:nvGrpSpPr>
-        <p:grpSpPr>
-          <a:xfrm>
-            <a:off x="-1" y="0"/>
-            <a:ext cx="12192001" cy="6858000"/>
-            <a:chOff x="-1" y="0"/>
-            <a:chExt cx="12192001" cy="6858000"/>
-          </a:xfrm>
-        </p:grpSpPr>
-        <p:sp>
-          <p:nvSpPr>
-            <p:cNvPr id="6" name="직사각형 5">
-              <a:extLst>
-                <a:ext uri="{FF2B5EF4-FFF2-40B4-BE49-F238E27FC236}">
-                  <a16:creationId xmlns:a16="http://schemas.microsoft.com/office/drawing/2014/main" id="{BBE3F4E5-FBD3-429A-BB66-B918A48431AB}"/>
-                </a:ext>
-              </a:extLst>
-            </p:cNvPr>
-            <p:cNvSpPr/>
-            <p:nvPr/>
-          </p:nvSpPr>
-          <p:spPr>
-            <a:xfrm>
-              <a:off x="0" y="6029325"/>
-              <a:ext cx="12192000" cy="828675"/>
-            </a:xfrm>
-            <a:prstGeom prst="rect">
-              <a:avLst/>
-            </a:prstGeom>
-            <a:gradFill>
-              <a:gsLst>
-                <a:gs pos="0">
-                  <a:schemeClr val="accent1">
-                    <a:lumMod val="40000"/>
-                    <a:lumOff val="60000"/>
-                  </a:schemeClr>
-                </a:gs>
-                <a:gs pos="100000">
-                  <a:schemeClr val="accent1">
-                    <a:lumMod val="20000"/>
-                    <a:lumOff val="80000"/>
-                  </a:schemeClr>
-                </a:gs>
-              </a:gsLst>
-              <a:lin ang="5400000" scaled="1"/>
-            </a:gradFill>
-            <a:ln>
-              <a:noFill/>
-            </a:ln>
-          </p:spPr>
-          <p:style>
-            <a:lnRef idx="2">
-              <a:schemeClr val="accent1">
-                <a:shade val="50000"/>
-              </a:schemeClr>
-            </a:lnRef>
-            <a:fillRef idx="1">
-              <a:schemeClr val="accent1"/>
-            </a:fillRef>
-            <a:effectRef idx="0">
-              <a:schemeClr val="accent1"/>
-            </a:effectRef>
-            <a:fontRef idx="minor">
-              <a:schemeClr val="lt1"/>
-            </a:fontRef>
-          </p:style>
-          <p:txBody>
-            <a:bodyPr rtlCol="0" anchor="ctr"/>
-            <a:lstStyle/>
-            <a:p>
-              <a:pPr algn="ctr"/>
-              <a:endParaRPr lang="ko-KR" altLang="en-US">
-                <a:solidFill>
-                  <a:prstClr val="white"/>
-                </a:solidFill>
-              </a:endParaRPr>
-            </a:p>
-          </p:txBody>
-        </p:sp>
-        <p:sp>
-          <p:nvSpPr>
-            <p:cNvPr id="8" name="직각 삼각형 7">
-              <a:extLst>
-                <a:ext uri="{FF2B5EF4-FFF2-40B4-BE49-F238E27FC236}">
-                  <a16:creationId xmlns:a16="http://schemas.microsoft.com/office/drawing/2014/main" id="{6B53E870-380E-4562-B34A-C52699AD12EA}"/>
-                </a:ext>
-              </a:extLst>
-            </p:cNvPr>
-            <p:cNvSpPr/>
-            <p:nvPr/>
-          </p:nvSpPr>
-          <p:spPr>
-            <a:xfrm flipH="1">
-              <a:off x="-1" y="0"/>
-              <a:ext cx="682625" cy="6743700"/>
-            </a:xfrm>
-            <a:prstGeom prst="rtTriangle">
-              <a:avLst/>
-            </a:prstGeom>
-            <a:gradFill flip="none" rotWithShape="1">
-              <a:gsLst>
-                <a:gs pos="0">
-                  <a:schemeClr val="tx1">
-                    <a:alpha val="0"/>
-                  </a:schemeClr>
-                </a:gs>
-                <a:gs pos="100000">
-                  <a:schemeClr val="tx1">
-                    <a:alpha val="48000"/>
-                  </a:schemeClr>
-                </a:gs>
-              </a:gsLst>
-              <a:lin ang="10800000" scaled="1"/>
-              <a:tileRect/>
-            </a:gradFill>
-            <a:ln>
-              <a:noFill/>
-            </a:ln>
-            <a:effectLst>
-              <a:softEdge rad="127000"/>
-            </a:effectLst>
-          </p:spPr>
-          <p:style>
-            <a:lnRef idx="2">
-              <a:schemeClr val="accent1">
-                <a:shade val="50000"/>
-              </a:schemeClr>
-            </a:lnRef>
-            <a:fillRef idx="1">
-              <a:schemeClr val="accent1"/>
-            </a:fillRef>
-            <a:effectRef idx="0">
-              <a:schemeClr val="accent1"/>
-            </a:effectRef>
-            <a:fontRef idx="minor">
-              <a:schemeClr val="lt1"/>
-            </a:fontRef>
-          </p:style>
-          <p:txBody>
-            <a:bodyPr rtlCol="0" anchor="ctr"/>
-            <a:lstStyle/>
-            <a:p>
-              <a:pPr algn="ctr"/>
-              <a:endParaRPr lang="ko-KR" altLang="en-US">
-                <a:solidFill>
-                  <a:prstClr val="white"/>
-                </a:solidFill>
-              </a:endParaRPr>
-            </a:p>
-          </p:txBody>
-        </p:sp>
-        <p:sp>
-          <p:nvSpPr>
-            <p:cNvPr id="9" name="직각 삼각형 8">
-              <a:extLst>
-                <a:ext uri="{FF2B5EF4-FFF2-40B4-BE49-F238E27FC236}">
-                  <a16:creationId xmlns:a16="http://schemas.microsoft.com/office/drawing/2014/main" id="{7873723D-980F-4958-B3C4-A00DE693F87E}"/>
-                </a:ext>
-              </a:extLst>
-            </p:cNvPr>
-            <p:cNvSpPr/>
-            <p:nvPr/>
-          </p:nvSpPr>
-          <p:spPr>
-            <a:xfrm>
-              <a:off x="11509375" y="0"/>
-              <a:ext cx="682625" cy="6743700"/>
-            </a:xfrm>
-            <a:prstGeom prst="rtTriangle">
-              <a:avLst/>
-            </a:prstGeom>
-            <a:gradFill flip="none" rotWithShape="1">
-              <a:gsLst>
-                <a:gs pos="0">
-                  <a:schemeClr val="tx1">
-                    <a:alpha val="0"/>
-                  </a:schemeClr>
-                </a:gs>
-                <a:gs pos="100000">
-                  <a:schemeClr val="tx1">
-                    <a:alpha val="48000"/>
-                  </a:schemeClr>
-                </a:gs>
-              </a:gsLst>
-              <a:lin ang="10800000" scaled="1"/>
-              <a:tileRect/>
-            </a:gradFill>
-            <a:ln>
-              <a:noFill/>
-            </a:ln>
-            <a:effectLst>
-              <a:softEdge rad="127000"/>
-            </a:effectLst>
-          </p:spPr>
-          <p:style>
-            <a:lnRef idx="2">
-              <a:schemeClr val="accent1">
-                <a:shade val="50000"/>
-              </a:schemeClr>
-            </a:lnRef>
-            <a:fillRef idx="1">
-              <a:schemeClr val="accent1"/>
-            </a:fillRef>
-            <a:effectRef idx="0">
-              <a:schemeClr val="accent1"/>
-            </a:effectRef>
-            <a:fontRef idx="minor">
-              <a:schemeClr val="lt1"/>
-            </a:fontRef>
-          </p:style>
-          <p:txBody>
-            <a:bodyPr rtlCol="0" anchor="ctr"/>
-            <a:lstStyle/>
-            <a:p>
-              <a:pPr algn="ctr"/>
-              <a:endParaRPr lang="ko-KR" altLang="en-US">
-                <a:solidFill>
-                  <a:prstClr val="white"/>
-                </a:solidFill>
-              </a:endParaRPr>
-            </a:p>
-          </p:txBody>
-        </p:sp>
-        <p:sp>
-          <p:nvSpPr>
-            <p:cNvPr id="7" name="직사각형 6">
-              <a:extLst>
-                <a:ext uri="{FF2B5EF4-FFF2-40B4-BE49-F238E27FC236}">
-                  <a16:creationId xmlns:a16="http://schemas.microsoft.com/office/drawing/2014/main" id="{8A861E98-01FE-4D1A-A280-7A68D29B9D9E}"/>
-                </a:ext>
-              </a:extLst>
-            </p:cNvPr>
-            <p:cNvSpPr/>
-            <p:nvPr/>
-          </p:nvSpPr>
-          <p:spPr>
-            <a:xfrm>
-              <a:off x="341311" y="292100"/>
-              <a:ext cx="11391900" cy="6350000"/>
-            </a:xfrm>
-            <a:prstGeom prst="rect">
-              <a:avLst/>
-            </a:prstGeom>
-            <a:solidFill>
-              <a:schemeClr val="bg1"/>
-            </a:solidFill>
-            <a:ln>
-              <a:noFill/>
-            </a:ln>
-            <a:effectLst>
-              <a:outerShdw blurRad="127000" dist="1219200" dir="5400000" sx="80000" sy="80000" algn="t" rotWithShape="0">
-                <a:prstClr val="black">
-                  <a:alpha val="40000"/>
-                </a:prstClr>
-              </a:outerShdw>
-            </a:effectLst>
-          </p:spPr>
-          <p:style>
-            <a:lnRef idx="2">
-              <a:schemeClr val="accent1">
-                <a:shade val="50000"/>
-              </a:schemeClr>
-            </a:lnRef>
-            <a:fillRef idx="1">
-              <a:schemeClr val="accent1"/>
-            </a:fillRef>
-            <a:effectRef idx="0">
-              <a:schemeClr val="accent1"/>
-            </a:effectRef>
-            <a:fontRef idx="minor">
-              <a:schemeClr val="lt1"/>
-            </a:fontRef>
-          </p:style>
-          <p:txBody>
-            <a:bodyPr tIns="144000" rtlCol="0" anchor="t"/>
-            <a:lstStyle/>
-            <a:p>
-              <a:pPr algn="ctr" latinLnBrk="0">
-                <a:defRPr/>
-              </a:pPr>
-              <a:r>
-                <a:rPr lang="ko-KR" altLang="en-US" sz="2000" b="1" i="1" kern="0" dirty="0">
-                  <a:solidFill>
-                    <a:prstClr val="black">
-                      <a:lumMod val="75000"/>
-                      <a:lumOff val="25000"/>
-                    </a:prstClr>
-                  </a:solidFill>
-                </a:rPr>
-                <a:t>게임 실행 흐름</a:t>
-              </a:r>
-              <a:endParaRPr lang="en-US" altLang="ko-KR" sz="2000" b="1" i="1" kern="0" dirty="0">
-                <a:solidFill>
-                  <a:prstClr val="black">
-                    <a:lumMod val="75000"/>
-                    <a:lumOff val="25000"/>
-                  </a:prstClr>
-                </a:solidFill>
-              </a:endParaRPr>
-            </a:p>
-            <a:p>
-              <a:pPr algn="ctr"/>
-              <a:endParaRPr lang="ko-KR" altLang="en-US" sz="1200" dirty="0">
-                <a:solidFill>
-                  <a:prstClr val="black">
-                    <a:lumMod val="75000"/>
-                    <a:lumOff val="25000"/>
-                  </a:prstClr>
-                </a:solidFill>
-              </a:endParaRPr>
-            </a:p>
-          </p:txBody>
-        </p:sp>
-      </p:grpSp>
-      <p:pic>
-        <p:nvPicPr>
-          <p:cNvPr id="10" name="그림 9">
-            <a:extLst>
-              <a:ext uri="{FF2B5EF4-FFF2-40B4-BE49-F238E27FC236}">
-                <a16:creationId xmlns:a16="http://schemas.microsoft.com/office/drawing/2014/main" id="{B9B4B190-895B-49A4-A221-6ADFF5C5B66E}"/>
-              </a:ext>
-            </a:extLst>
-          </p:cNvPr>
-          <p:cNvPicPr>
-            <a:picLocks noChangeAspect="1"/>
-          </p:cNvPicPr>
-          <p:nvPr/>
-        </p:nvPicPr>
-        <p:blipFill>
-          <a:blip r:embed="rId2">
-            <a:extLst>
-              <a:ext uri="{28A0092B-C50C-407E-A947-70E740481C1C}">
-                <a14:useLocalDpi xmlns:a14="http://schemas.microsoft.com/office/drawing/2010/main" val="0"/>
-              </a:ext>
-            </a:extLst>
-          </a:blip>
-          <a:stretch>
-            <a:fillRect/>
-          </a:stretch>
-        </p:blipFill>
-        <p:spPr>
-          <a:xfrm>
-            <a:off x="682624" y="1541462"/>
-            <a:ext cx="4753995" cy="2662237"/>
-          </a:xfrm>
-          <a:prstGeom prst="rect">
-            <a:avLst/>
-          </a:prstGeom>
-        </p:spPr>
-      </p:pic>
-      <p:sp>
-        <p:nvSpPr>
-          <p:cNvPr id="11" name="TextBox 10">
-            <a:extLst>
-              <a:ext uri="{FF2B5EF4-FFF2-40B4-BE49-F238E27FC236}">
-                <a16:creationId xmlns:a16="http://schemas.microsoft.com/office/drawing/2014/main" id="{D0108867-E26A-43D4-8A5D-7F1603BFCF6B}"/>
-              </a:ext>
-            </a:extLst>
-          </p:cNvPr>
-          <p:cNvSpPr txBox="1"/>
-          <p:nvPr/>
-        </p:nvSpPr>
-        <p:spPr>
-          <a:xfrm>
-            <a:off x="1921328" y="5176013"/>
-            <a:ext cx="2276585" cy="369332"/>
-          </a:xfrm>
-          <a:prstGeom prst="rect">
-            <a:avLst/>
-          </a:prstGeom>
-          <a:noFill/>
-        </p:spPr>
-        <p:txBody>
-          <a:bodyPr wrap="none" rtlCol="0">
-            <a:spAutoFit/>
-          </a:bodyPr>
-          <a:lstStyle/>
-          <a:p>
-            <a:r>
-              <a:rPr lang="ko-KR" altLang="en-US" dirty="0"/>
-              <a:t>토관에 들어가기 전</a:t>
-            </a:r>
-          </a:p>
-        </p:txBody>
-      </p:sp>
-      <p:pic>
-        <p:nvPicPr>
-          <p:cNvPr id="13" name="그림 12">
-            <a:extLst>
-              <a:ext uri="{FF2B5EF4-FFF2-40B4-BE49-F238E27FC236}">
-                <a16:creationId xmlns:a16="http://schemas.microsoft.com/office/drawing/2014/main" id="{172D9B0E-9A0D-4E93-99B3-77CA6D313FA6}"/>
-              </a:ext>
-            </a:extLst>
-          </p:cNvPr>
-          <p:cNvPicPr>
-            <a:picLocks noChangeAspect="1"/>
-          </p:cNvPicPr>
-          <p:nvPr/>
-        </p:nvPicPr>
-        <p:blipFill>
-          <a:blip r:embed="rId3"/>
-          <a:stretch>
-            <a:fillRect/>
-          </a:stretch>
-        </p:blipFill>
-        <p:spPr>
-          <a:xfrm>
-            <a:off x="5564189" y="1112627"/>
-            <a:ext cx="6169022" cy="3519905"/>
-          </a:xfrm>
-          <a:prstGeom prst="rect">
-            <a:avLst/>
-          </a:prstGeom>
-        </p:spPr>
-      </p:pic>
-      <p:sp>
-        <p:nvSpPr>
-          <p:cNvPr id="21" name="TextBox 20">
-            <a:extLst>
-              <a:ext uri="{FF2B5EF4-FFF2-40B4-BE49-F238E27FC236}">
-                <a16:creationId xmlns:a16="http://schemas.microsoft.com/office/drawing/2014/main" id="{0430C91E-D169-41E3-89BB-4061E2EBC961}"/>
-              </a:ext>
-            </a:extLst>
-          </p:cNvPr>
-          <p:cNvSpPr txBox="1"/>
-          <p:nvPr/>
-        </p:nvSpPr>
-        <p:spPr>
-          <a:xfrm>
-            <a:off x="7394991" y="5176013"/>
-            <a:ext cx="2507418" cy="369332"/>
-          </a:xfrm>
-          <a:prstGeom prst="rect">
-            <a:avLst/>
-          </a:prstGeom>
-          <a:noFill/>
-        </p:spPr>
-        <p:txBody>
-          <a:bodyPr wrap="none" rtlCol="0">
-            <a:spAutoFit/>
-          </a:bodyPr>
-          <a:lstStyle/>
-          <a:p>
-            <a:r>
-              <a:rPr lang="ko-KR" altLang="en-US"/>
-              <a:t>토관에 들어간 후 전투</a:t>
-            </a:r>
-            <a:endParaRPr lang="ko-KR" altLang="en-US" dirty="0"/>
-          </a:p>
-        </p:txBody>
-      </p:sp>
-      <p:grpSp>
-        <p:nvGrpSpPr>
-          <p:cNvPr id="27" name="그룹 26">
-            <a:extLst>
-              <a:ext uri="{FF2B5EF4-FFF2-40B4-BE49-F238E27FC236}">
-                <a16:creationId xmlns:a16="http://schemas.microsoft.com/office/drawing/2014/main" id="{53CBEAB0-C662-4BDA-868C-0CD5C46539CC}"/>
-              </a:ext>
-            </a:extLst>
-          </p:cNvPr>
-          <p:cNvGrpSpPr/>
-          <p:nvPr/>
-        </p:nvGrpSpPr>
-        <p:grpSpPr>
-          <a:xfrm>
-            <a:off x="5841660" y="2680140"/>
-            <a:ext cx="597960" cy="810720"/>
-            <a:chOff x="5841660" y="2680140"/>
-            <a:chExt cx="597960" cy="810720"/>
-          </a:xfrm>
-        </p:grpSpPr>
-        <mc:AlternateContent xmlns:mc="http://schemas.openxmlformats.org/markup-compatibility/2006">
-          <mc:Choice xmlns:p14="http://schemas.microsoft.com/office/powerpoint/2010/main" Requires="p14">
-            <p:contentPart p14:bwMode="auto" r:id="rId4">
-              <p14:nvContentPartPr>
-                <p14:cNvPr id="24" name="잉크 23">
-                  <a:extLst>
-                    <a:ext uri="{FF2B5EF4-FFF2-40B4-BE49-F238E27FC236}">
-                      <a16:creationId xmlns:a16="http://schemas.microsoft.com/office/drawing/2014/main" id="{13D1705A-6673-4245-A62F-DE7AE46C4261}"/>
-                    </a:ext>
-                  </a:extLst>
-                </p14:cNvPr>
-                <p14:cNvContentPartPr/>
-                <p14:nvPr/>
-              </p14:nvContentPartPr>
-              <p14:xfrm>
-                <a:off x="5841660" y="2805420"/>
-                <a:ext cx="483840" cy="627840"/>
-              </p14:xfrm>
-            </p:contentPart>
-          </mc:Choice>
-          <mc:Fallback>
-            <p:pic>
-              <p:nvPicPr>
-                <p:cNvPr id="24" name="잉크 23">
-                  <a:extLst>
-                    <a:ext uri="{FF2B5EF4-FFF2-40B4-BE49-F238E27FC236}">
-                      <a16:creationId xmlns:a16="http://schemas.microsoft.com/office/drawing/2014/main" id="{13D1705A-6673-4245-A62F-DE7AE46C4261}"/>
-                    </a:ext>
-                  </a:extLst>
-                </p:cNvPr>
-                <p:cNvPicPr/>
-                <p:nvPr/>
-              </p:nvPicPr>
-              <p:blipFill>
-                <a:blip r:embed="rId5"/>
-                <a:stretch>
-                  <a:fillRect/>
-                </a:stretch>
-              </p:blipFill>
-              <p:spPr>
-                <a:xfrm>
-                  <a:off x="5779020" y="2742780"/>
-                  <a:ext cx="609480" cy="753480"/>
-                </a:xfrm>
-                <a:prstGeom prst="rect">
-                  <a:avLst/>
-                </a:prstGeom>
-              </p:spPr>
-            </p:pic>
-          </mc:Fallback>
-        </mc:AlternateContent>
-        <mc:AlternateContent xmlns:mc="http://schemas.openxmlformats.org/markup-compatibility/2006">
-          <mc:Choice xmlns:p14="http://schemas.microsoft.com/office/powerpoint/2010/main" Requires="p14">
-            <p:contentPart p14:bwMode="auto" r:id="rId6">
-              <p14:nvContentPartPr>
-                <p14:cNvPr id="25" name="잉크 24">
-                  <a:extLst>
-                    <a:ext uri="{FF2B5EF4-FFF2-40B4-BE49-F238E27FC236}">
-                      <a16:creationId xmlns:a16="http://schemas.microsoft.com/office/drawing/2014/main" id="{549F2DC4-CDA0-499C-BC1F-1FFED6CC2416}"/>
-                    </a:ext>
-                  </a:extLst>
-                </p14:cNvPr>
-                <p14:cNvContentPartPr/>
-                <p14:nvPr/>
-              </p14:nvContentPartPr>
-              <p14:xfrm>
-                <a:off x="6388140" y="2680140"/>
-                <a:ext cx="48960" cy="63000"/>
-              </p14:xfrm>
-            </p:contentPart>
-          </mc:Choice>
-          <mc:Fallback>
-            <p:pic>
-              <p:nvPicPr>
-                <p:cNvPr id="25" name="잉크 24">
-                  <a:extLst>
-                    <a:ext uri="{FF2B5EF4-FFF2-40B4-BE49-F238E27FC236}">
-                      <a16:creationId xmlns:a16="http://schemas.microsoft.com/office/drawing/2014/main" id="{549F2DC4-CDA0-499C-BC1F-1FFED6CC2416}"/>
-                    </a:ext>
-                  </a:extLst>
-                </p:cNvPr>
-                <p:cNvPicPr/>
-                <p:nvPr/>
-              </p:nvPicPr>
-              <p:blipFill>
-                <a:blip r:embed="rId7"/>
-                <a:stretch>
-                  <a:fillRect/>
-                </a:stretch>
-              </p:blipFill>
-              <p:spPr>
-                <a:xfrm>
-                  <a:off x="6325500" y="2617500"/>
-                  <a:ext cx="174600" cy="188640"/>
-                </a:xfrm>
-                <a:prstGeom prst="rect">
-                  <a:avLst/>
-                </a:prstGeom>
-              </p:spPr>
-            </p:pic>
-          </mc:Fallback>
-        </mc:AlternateContent>
-        <mc:AlternateContent xmlns:mc="http://schemas.openxmlformats.org/markup-compatibility/2006">
-          <mc:Choice xmlns:p14="http://schemas.microsoft.com/office/powerpoint/2010/main" Requires="p14">
-            <p:contentPart p14:bwMode="auto" r:id="rId8">
-              <p14:nvContentPartPr>
-                <p14:cNvPr id="26" name="잉크 25">
-                  <a:extLst>
-                    <a:ext uri="{FF2B5EF4-FFF2-40B4-BE49-F238E27FC236}">
-                      <a16:creationId xmlns:a16="http://schemas.microsoft.com/office/drawing/2014/main" id="{CD1B32AD-E771-40CC-BE6A-D8F6232784A1}"/>
-                    </a:ext>
-                  </a:extLst>
-                </p14:cNvPr>
-                <p14:cNvContentPartPr/>
-                <p14:nvPr/>
-              </p14:nvContentPartPr>
-              <p14:xfrm>
-                <a:off x="6399300" y="2755740"/>
-                <a:ext cx="40320" cy="735120"/>
-              </p14:xfrm>
-            </p:contentPart>
-          </mc:Choice>
-          <mc:Fallback>
-            <p:pic>
-              <p:nvPicPr>
-                <p:cNvPr id="26" name="잉크 25">
-                  <a:extLst>
-                    <a:ext uri="{FF2B5EF4-FFF2-40B4-BE49-F238E27FC236}">
-                      <a16:creationId xmlns:a16="http://schemas.microsoft.com/office/drawing/2014/main" id="{CD1B32AD-E771-40CC-BE6A-D8F6232784A1}"/>
-                    </a:ext>
-                  </a:extLst>
-                </p:cNvPr>
-                <p:cNvPicPr/>
-                <p:nvPr/>
-              </p:nvPicPr>
-              <p:blipFill>
-                <a:blip r:embed="rId9"/>
-                <a:stretch>
-                  <a:fillRect/>
-                </a:stretch>
-              </p:blipFill>
-              <p:spPr>
-                <a:xfrm>
-                  <a:off x="6336660" y="2692740"/>
-                  <a:ext cx="165960" cy="860760"/>
-                </a:xfrm>
-                <a:prstGeom prst="rect">
-                  <a:avLst/>
-                </a:prstGeom>
-              </p:spPr>
-            </p:pic>
-          </mc:Fallback>
-        </mc:AlternateContent>
-      </p:grpSp>
-    </p:spTree>
-    <p:extLst>
-      <p:ext uri="{BB962C8B-B14F-4D97-AF65-F5344CB8AC3E}">
-        <p14:creationId xmlns:p14="http://schemas.microsoft.com/office/powerpoint/2010/main" val="2557982727"/>
-      </p:ext>
-    </p:extLst>
-  </p:cSld>
-  <p:clrMapOvr>
-    <a:masterClrMapping/>
-  </p:clrMapOvr>
-</p:sld>
-</file>
-
-<file path=ppt/slides/slide5.xml><?xml version="1.0" encoding="utf-8"?>
 <p:sld xmlns:a="http://schemas.openxmlformats.org/drawingml/2006/main" xmlns:r="http://schemas.openxmlformats.org/officeDocument/2006/relationships" xmlns:p="http://schemas.openxmlformats.org/presentationml/2006/main">
   <p:cSld>
     <p:bg>
@@ -6801,14 +6043,14 @@
           <p:nvPr>
             <p:extLst>
               <p:ext uri="{D42A27DB-BD31-4B8C-83A1-F6EECF244321}">
-                <p14:modId xmlns:p14="http://schemas.microsoft.com/office/powerpoint/2010/main" val="107657447"/>
+                <p14:modId xmlns:p14="http://schemas.microsoft.com/office/powerpoint/2010/main" val="3109436461"/>
               </p:ext>
             </p:extLst>
           </p:nvPr>
         </p:nvGraphicFramePr>
         <p:xfrm>
           <a:off x="1557337" y="846666"/>
-          <a:ext cx="9077325" cy="5803054"/>
+          <a:ext cx="9077325" cy="4980094"/>
         </p:xfrm>
         <a:graphic>
           <a:graphicData uri="http://schemas.openxmlformats.org/drawingml/2006/table">
@@ -6924,10 +6166,7 @@
                     <a:lstStyle/>
                     <a:p>
                       <a:pPr latinLnBrk="1"/>
-                      <a:r>
-                        <a:rPr lang="ko-KR" altLang="en-US" dirty="0"/>
-                        <a:t>토관에 들어갔을 시 좌우 상하움직임 </a:t>
-                      </a:r>
+                      <a:endParaRPr lang="ko-KR" altLang="en-US" dirty="0"/>
                     </a:p>
                   </a:txBody>
                   <a:tcPr/>
@@ -7078,14 +6317,6 @@
                     <a:lstStyle/>
                     <a:p>
                       <a:pPr latinLnBrk="1"/>
-                      <a:r>
-                        <a:rPr lang="ko-KR" altLang="en-US" dirty="0"/>
-                        <a:t>토관에 들어갔을 때 퍼즐형식게임이나 전투 추가</a:t>
-                      </a:r>
-                      <a:r>
-                        <a:rPr lang="en-US" altLang="ko-KR" dirty="0"/>
-                        <a:t>.</a:t>
-                      </a:r>
                       <a:endParaRPr lang="ko-KR" altLang="en-US" dirty="0"/>
                     </a:p>
                   </a:txBody>
@@ -7142,62 +6373,6 @@
                     <a:lstStyle/>
                     <a:p>
                       <a:pPr latinLnBrk="1"/>
-                      <a:r>
-                        <a:rPr lang="ko-KR" altLang="en-US" dirty="0"/>
-                        <a:t>토관 속 전투 진행 시</a:t>
-                      </a:r>
-                      <a:endParaRPr lang="en-US" altLang="ko-KR" dirty="0"/>
-                    </a:p>
-                    <a:p>
-                      <a:pPr latinLnBrk="1"/>
-                      <a:r>
-                        <a:rPr lang="ko-KR" altLang="en-US" dirty="0"/>
-                        <a:t>적</a:t>
-                      </a:r>
-                      <a:r>
-                        <a:rPr lang="en-US" altLang="ko-KR" dirty="0"/>
-                        <a:t>1)</a:t>
-                      </a:r>
-                      <a:r>
-                        <a:rPr lang="ko-KR" altLang="en-US" dirty="0"/>
-                        <a:t>주인공 발견 시 천천히 접근</a:t>
-                      </a:r>
-                      <a:endParaRPr lang="en-US" altLang="ko-KR" dirty="0"/>
-                    </a:p>
-                    <a:p>
-                      <a:pPr latinLnBrk="1"/>
-                      <a:r>
-                        <a:rPr lang="ko-KR" altLang="en-US" dirty="0"/>
-                        <a:t>적</a:t>
-                      </a:r>
-                      <a:r>
-                        <a:rPr lang="en-US" altLang="ko-KR" dirty="0"/>
-                        <a:t>2)</a:t>
-                      </a:r>
-                      <a:r>
-                        <a:rPr lang="ko-KR" altLang="en-US" dirty="0"/>
-                        <a:t>주인공 발견 시 사격</a:t>
-                      </a:r>
-                      <a:endParaRPr lang="en-US" altLang="ko-KR" dirty="0"/>
-                    </a:p>
-                    <a:p>
-                      <a:pPr latinLnBrk="1"/>
-                      <a:r>
-                        <a:rPr lang="ko-KR" altLang="en-US" dirty="0"/>
-                        <a:t>보스</a:t>
-                      </a:r>
-                      <a:r>
-                        <a:rPr lang="en-US" altLang="ko-KR" dirty="0"/>
-                        <a:t>) </a:t>
-                      </a:r>
-                      <a:r>
-                        <a:rPr lang="ko-KR" altLang="en-US" dirty="0"/>
-                        <a:t>빠르게 다가와 근접공격 혹은 특수기술</a:t>
-                      </a:r>
-                      <a:r>
-                        <a:rPr lang="en-US" altLang="ko-KR" dirty="0"/>
-                        <a:t>.</a:t>
-                      </a:r>
                       <a:endParaRPr lang="ko-KR" altLang="en-US" dirty="0"/>
                     </a:p>
                   </a:txBody>
@@ -7280,18 +6455,7 @@
                     <a:lstStyle/>
                     <a:p>
                       <a:pPr latinLnBrk="1"/>
-                      <a:r>
-                        <a:rPr lang="ko-KR" altLang="en-US" dirty="0"/>
-                        <a:t>토관 속 전투시 </a:t>
-                      </a:r>
-                      <a:endParaRPr lang="en-US" altLang="ko-KR" dirty="0"/>
-                    </a:p>
-                    <a:p>
-                      <a:pPr latinLnBrk="1"/>
-                      <a:r>
-                        <a:rPr lang="ko-KR" altLang="en-US" dirty="0"/>
-                        <a:t>벽이 부서지는 소리 </a:t>
-                      </a:r>
+                      <a:endParaRPr lang="ko-KR" altLang="en-US" dirty="0"/>
                     </a:p>
                   </a:txBody>
                   <a:tcPr/>
@@ -7381,7 +6545,7 @@
 </p:sld>
 </file>
 
-<file path=ppt/slides/slide6.xml><?xml version="1.0" encoding="utf-8"?>
+<file path=ppt/slides/slide5.xml><?xml version="1.0" encoding="utf-8"?>
 <p:sld xmlns:a="http://schemas.openxmlformats.org/drawingml/2006/main" xmlns:r="http://schemas.openxmlformats.org/officeDocument/2006/relationships" xmlns:p="http://schemas.openxmlformats.org/presentationml/2006/main">
   <p:cSld>
     <p:bg>
@@ -7742,14 +6906,14 @@
           <p:nvPr>
             <p:extLst>
               <p:ext uri="{D42A27DB-BD31-4B8C-83A1-F6EECF244321}">
-                <p14:modId xmlns:p14="http://schemas.microsoft.com/office/powerpoint/2010/main" val="617881021"/>
+                <p14:modId xmlns:p14="http://schemas.microsoft.com/office/powerpoint/2010/main" val="3389544989"/>
               </p:ext>
             </p:extLst>
           </p:nvPr>
         </p:nvGraphicFramePr>
         <p:xfrm>
           <a:off x="1727200" y="938215"/>
-          <a:ext cx="8737599" cy="5640702"/>
+          <a:ext cx="9512301" cy="5366382"/>
         </p:xfrm>
         <a:graphic>
           <a:graphicData uri="http://schemas.openxmlformats.org/drawingml/2006/table">
@@ -7758,21 +6922,21 @@
                 <a:tableStyleId>{5C22544A-7EE6-4342-B048-85BDC9FD1C3A}</a:tableStyleId>
               </a:tblPr>
               <a:tblGrid>
-                <a:gridCol w="1828800">
+                <a:gridCol w="1117600">
                   <a:extLst>
                     <a:ext uri="{9D8B030D-6E8A-4147-A177-3AD203B41FA5}">
                       <a16:colId xmlns:a16="http://schemas.microsoft.com/office/drawing/2014/main" val="3363374680"/>
                     </a:ext>
                   </a:extLst>
                 </a:gridCol>
-                <a:gridCol w="2997200">
+                <a:gridCol w="4013200">
                   <a:extLst>
                     <a:ext uri="{9D8B030D-6E8A-4147-A177-3AD203B41FA5}">
                       <a16:colId xmlns:a16="http://schemas.microsoft.com/office/drawing/2014/main" val="1926419618"/>
                     </a:ext>
                   </a:extLst>
                 </a:gridCol>
-                <a:gridCol w="3911599">
+                <a:gridCol w="4381501">
                   <a:extLst>
                     <a:ext uri="{9D8B030D-6E8A-4147-A177-3AD203B41FA5}">
                       <a16:colId xmlns:a16="http://schemas.microsoft.com/office/drawing/2014/main" val="845906046"/>
@@ -7862,7 +7026,7 @@
                       </a:r>
                       <a:r>
                         <a:rPr lang="en-US" altLang="ko-KR" dirty="0"/>
-                        <a:t>.</a:t>
+                        <a:t>.(50%)</a:t>
                       </a:r>
                     </a:p>
                     <a:p>
@@ -7871,8 +7035,13 @@
                       </a:pPr>
                       <a:r>
                         <a:rPr lang="ko-KR" altLang="en-US" dirty="0"/>
-                        <a:t>스테이지 맵 구상</a:t>
-                      </a:r>
+                        <a:t>스테이지 맵 구상 </a:t>
+                      </a:r>
+                      <a:r>
+                        <a:rPr lang="en-US" altLang="ko-KR" dirty="0"/>
+                        <a:t>(80%)</a:t>
+                      </a:r>
+                      <a:endParaRPr lang="ko-KR" altLang="en-US" dirty="0"/>
                     </a:p>
                   </a:txBody>
                   <a:tcPr/>
@@ -7895,9 +7064,69 @@
                         <a:rPr lang="ko-KR" altLang="en-US" dirty="0"/>
                         <a:t>수집</a:t>
                       </a:r>
+                      <a:endParaRPr lang="en-US" altLang="ko-KR" dirty="0"/>
+                    </a:p>
+                    <a:p>
+                      <a:pPr algn="ctr" latinLnBrk="1"/>
+                      <a:r>
+                        <a:rPr lang="ko-KR" altLang="en-US" dirty="0"/>
+                        <a:t>캐릭터 움직임 </a:t>
+                      </a:r>
+                      <a:endParaRPr lang="en-US" altLang="ko-KR" dirty="0"/>
+                    </a:p>
+                    <a:p>
+                      <a:pPr algn="ctr" latinLnBrk="1"/>
+                      <a:r>
+                        <a:rPr lang="en-US" altLang="ko-KR" dirty="0"/>
+                        <a:t>(</a:t>
+                      </a:r>
+                      <a:r>
+                        <a:rPr lang="ko-KR" altLang="en-US" dirty="0"/>
+                        <a:t>달리기 걷기</a:t>
+                      </a:r>
+                      <a:r>
+                        <a:rPr lang="en-US" altLang="ko-KR" dirty="0"/>
+                        <a:t>, </a:t>
+                      </a:r>
+                      <a:r>
+                        <a:rPr lang="ko-KR" altLang="en-US" dirty="0"/>
+                        <a:t>점프</a:t>
+                      </a:r>
+                      <a:r>
+                        <a:rPr lang="en-US" altLang="ko-KR" dirty="0"/>
+                        <a:t>, </a:t>
+                      </a:r>
+                      <a:r>
+                        <a:rPr lang="ko-KR" altLang="en-US" dirty="0"/>
+                        <a:t>방향전환</a:t>
+                      </a:r>
+                      <a:r>
+                        <a:rPr lang="en-US" altLang="ko-KR" dirty="0"/>
+                        <a:t>, </a:t>
+                      </a:r>
+                      <a:r>
+                        <a:rPr lang="ko-KR" altLang="en-US" dirty="0"/>
+                        <a:t>제동</a:t>
+                      </a:r>
+                      <a:r>
+                        <a:rPr lang="en-US" altLang="ko-KR" dirty="0"/>
+                        <a:t>)</a:t>
+                      </a:r>
+                    </a:p>
+                    <a:p>
+                      <a:pPr algn="ctr" latinLnBrk="1"/>
+                      <a:r>
+                        <a:rPr lang="ko-KR" altLang="en-US" dirty="0"/>
+                        <a:t>물음표 박스 구현</a:t>
+                      </a:r>
+                      <a:endParaRPr lang="en-US" altLang="ko-KR" dirty="0"/>
+                    </a:p>
+                    <a:p>
+                      <a:pPr algn="ctr" latinLnBrk="1"/>
+                      <a:endParaRPr lang="ko-KR" altLang="en-US" dirty="0"/>
                     </a:p>
                   </a:txBody>
-                  <a:tcPr/>
+                  <a:tcPr anchor="ctr"/>
                 </a:tc>
                 <a:extLst>
                   <a:ext uri="{0D108BD9-81ED-4DB2-BD59-A6C34878D82A}">
@@ -7938,7 +7167,7 @@
                       </a:r>
                       <a:r>
                         <a:rPr lang="en-US" altLang="ko-KR" dirty="0"/>
-                        <a:t>.</a:t>
+                        <a:t>(80%)</a:t>
                       </a:r>
                     </a:p>
                     <a:p>
@@ -7951,7 +7180,7 @@
                       </a:r>
                       <a:r>
                         <a:rPr lang="en-US" altLang="ko-KR" dirty="0"/>
-                        <a:t>.</a:t>
+                        <a:t>.(10%)</a:t>
                       </a:r>
                     </a:p>
                   </a:txBody>
@@ -8005,7 +7234,10 @@
                         <a:rPr lang="ko-KR" altLang="en-US" dirty="0"/>
                         <a:t>함정 구현</a:t>
                       </a:r>
-                      <a:endParaRPr lang="en-US" altLang="ko-KR" dirty="0"/>
+                      <a:r>
+                        <a:rPr lang="en-US" altLang="ko-KR" dirty="0"/>
+                        <a:t>(0%)</a:t>
+                      </a:r>
                     </a:p>
                     <a:p>
                       <a:pPr marL="342900" indent="-342900" latinLnBrk="1">
@@ -8015,6 +7247,11 @@
                         <a:rPr lang="ko-KR" altLang="en-US" dirty="0"/>
                         <a:t>상호작용 구현</a:t>
                       </a:r>
+                      <a:r>
+                        <a:rPr lang="en-US" altLang="ko-KR" dirty="0"/>
+                        <a:t>(0%)</a:t>
+                      </a:r>
+                      <a:endParaRPr lang="ko-KR" altLang="en-US" dirty="0"/>
                     </a:p>
                   </a:txBody>
                   <a:tcPr/>
@@ -8071,7 +7308,7 @@
                       </a:r>
                       <a:r>
                         <a:rPr lang="en-US" altLang="ko-KR" dirty="0"/>
-                        <a:t>.</a:t>
+                        <a:t>.(0%)</a:t>
                       </a:r>
                       <a:endParaRPr lang="ko-KR" altLang="en-US" dirty="0"/>
                     </a:p>
@@ -8256,18 +7493,6 @@
                     <a:lstStyle/>
                     <a:p>
                       <a:pPr latinLnBrk="1"/>
-                      <a:r>
-                        <a:rPr lang="en-US" altLang="ko-KR" dirty="0"/>
-                        <a:t>1. </a:t>
-                      </a:r>
-                      <a:r>
-                        <a:rPr lang="ko-KR" altLang="en-US" dirty="0"/>
-                        <a:t>토관 속 전투구현</a:t>
-                      </a:r>
-                      <a:r>
-                        <a:rPr lang="en-US" altLang="ko-KR" dirty="0"/>
-                        <a:t>.</a:t>
-                      </a:r>
                       <a:endParaRPr lang="ko-KR" altLang="en-US" dirty="0"/>
                     </a:p>
                   </a:txBody>
@@ -8412,6 +7637,417 @@
     <p:extLst>
       <p:ext uri="{BB962C8B-B14F-4D97-AF65-F5344CB8AC3E}">
         <p14:creationId xmlns:p14="http://schemas.microsoft.com/office/powerpoint/2010/main" val="515261463"/>
+      </p:ext>
+    </p:extLst>
+  </p:cSld>
+  <p:clrMapOvr>
+    <a:masterClrMapping/>
+  </p:clrMapOvr>
+</p:sld>
+</file>
+
+<file path=ppt/slides/slide6.xml><?xml version="1.0" encoding="utf-8"?>
+<p:sld xmlns:a="http://schemas.openxmlformats.org/drawingml/2006/main" xmlns:r="http://schemas.openxmlformats.org/officeDocument/2006/relationships" xmlns:p="http://schemas.openxmlformats.org/presentationml/2006/main">
+  <p:cSld>
+    <p:bg>
+      <p:bgPr>
+        <a:solidFill>
+          <a:schemeClr val="accent1">
+            <a:lumMod val="20000"/>
+            <a:lumOff val="80000"/>
+          </a:schemeClr>
+        </a:solidFill>
+        <a:effectLst/>
+      </p:bgPr>
+    </p:bg>
+    <p:spTree>
+      <p:nvGrpSpPr>
+        <p:cNvPr id="1" name=""/>
+        <p:cNvGrpSpPr/>
+        <p:nvPr/>
+      </p:nvGrpSpPr>
+      <p:grpSpPr>
+        <a:xfrm>
+          <a:off x="0" y="0"/>
+          <a:ext cx="0" cy="0"/>
+          <a:chOff x="0" y="0"/>
+          <a:chExt cx="0" cy="0"/>
+        </a:xfrm>
+      </p:grpSpPr>
+      <p:grpSp>
+        <p:nvGrpSpPr>
+          <p:cNvPr id="2" name="그룹 1"/>
+          <p:cNvGrpSpPr/>
+          <p:nvPr/>
+        </p:nvGrpSpPr>
+        <p:grpSpPr>
+          <a:xfrm>
+            <a:off x="-1" y="0"/>
+            <a:ext cx="12192001" cy="6858000"/>
+            <a:chOff x="-1" y="0"/>
+            <a:chExt cx="12192001" cy="6858000"/>
+          </a:xfrm>
+        </p:grpSpPr>
+        <p:sp>
+          <p:nvSpPr>
+            <p:cNvPr id="6" name="직사각형 5">
+              <a:extLst>
+                <a:ext uri="{FF2B5EF4-FFF2-40B4-BE49-F238E27FC236}">
+                  <a16:creationId xmlns:a16="http://schemas.microsoft.com/office/drawing/2014/main" id="{BBE3F4E5-FBD3-429A-BB66-B918A48431AB}"/>
+                </a:ext>
+              </a:extLst>
+            </p:cNvPr>
+            <p:cNvSpPr/>
+            <p:nvPr/>
+          </p:nvSpPr>
+          <p:spPr>
+            <a:xfrm>
+              <a:off x="0" y="6029325"/>
+              <a:ext cx="12192000" cy="828675"/>
+            </a:xfrm>
+            <a:prstGeom prst="rect">
+              <a:avLst/>
+            </a:prstGeom>
+            <a:gradFill>
+              <a:gsLst>
+                <a:gs pos="0">
+                  <a:schemeClr val="accent1">
+                    <a:lumMod val="40000"/>
+                    <a:lumOff val="60000"/>
+                  </a:schemeClr>
+                </a:gs>
+                <a:gs pos="100000">
+                  <a:schemeClr val="accent1">
+                    <a:lumMod val="20000"/>
+                    <a:lumOff val="80000"/>
+                  </a:schemeClr>
+                </a:gs>
+              </a:gsLst>
+              <a:lin ang="5400000" scaled="1"/>
+            </a:gradFill>
+            <a:ln>
+              <a:noFill/>
+            </a:ln>
+          </p:spPr>
+          <p:style>
+            <a:lnRef idx="2">
+              <a:schemeClr val="accent1">
+                <a:shade val="50000"/>
+              </a:schemeClr>
+            </a:lnRef>
+            <a:fillRef idx="1">
+              <a:schemeClr val="accent1"/>
+            </a:fillRef>
+            <a:effectRef idx="0">
+              <a:schemeClr val="accent1"/>
+            </a:effectRef>
+            <a:fontRef idx="minor">
+              <a:schemeClr val="lt1"/>
+            </a:fontRef>
+          </p:style>
+          <p:txBody>
+            <a:bodyPr rtlCol="0" anchor="ctr"/>
+            <a:lstStyle/>
+            <a:p>
+              <a:pPr algn="ctr"/>
+              <a:endParaRPr lang="ko-KR" altLang="en-US">
+                <a:solidFill>
+                  <a:prstClr val="white"/>
+                </a:solidFill>
+              </a:endParaRPr>
+            </a:p>
+          </p:txBody>
+        </p:sp>
+        <p:sp>
+          <p:nvSpPr>
+            <p:cNvPr id="8" name="직각 삼각형 7">
+              <a:extLst>
+                <a:ext uri="{FF2B5EF4-FFF2-40B4-BE49-F238E27FC236}">
+                  <a16:creationId xmlns:a16="http://schemas.microsoft.com/office/drawing/2014/main" id="{6B53E870-380E-4562-B34A-C52699AD12EA}"/>
+                </a:ext>
+              </a:extLst>
+            </p:cNvPr>
+            <p:cNvSpPr/>
+            <p:nvPr/>
+          </p:nvSpPr>
+          <p:spPr>
+            <a:xfrm flipH="1">
+              <a:off x="-1" y="0"/>
+              <a:ext cx="682625" cy="6743700"/>
+            </a:xfrm>
+            <a:prstGeom prst="rtTriangle">
+              <a:avLst/>
+            </a:prstGeom>
+            <a:gradFill flip="none" rotWithShape="1">
+              <a:gsLst>
+                <a:gs pos="0">
+                  <a:schemeClr val="tx1">
+                    <a:alpha val="0"/>
+                  </a:schemeClr>
+                </a:gs>
+                <a:gs pos="100000">
+                  <a:schemeClr val="tx1">
+                    <a:alpha val="48000"/>
+                  </a:schemeClr>
+                </a:gs>
+              </a:gsLst>
+              <a:lin ang="10800000" scaled="1"/>
+              <a:tileRect/>
+            </a:gradFill>
+            <a:ln>
+              <a:noFill/>
+            </a:ln>
+            <a:effectLst>
+              <a:softEdge rad="127000"/>
+            </a:effectLst>
+          </p:spPr>
+          <p:style>
+            <a:lnRef idx="2">
+              <a:schemeClr val="accent1">
+                <a:shade val="50000"/>
+              </a:schemeClr>
+            </a:lnRef>
+            <a:fillRef idx="1">
+              <a:schemeClr val="accent1"/>
+            </a:fillRef>
+            <a:effectRef idx="0">
+              <a:schemeClr val="accent1"/>
+            </a:effectRef>
+            <a:fontRef idx="minor">
+              <a:schemeClr val="lt1"/>
+            </a:fontRef>
+          </p:style>
+          <p:txBody>
+            <a:bodyPr rtlCol="0" anchor="ctr"/>
+            <a:lstStyle/>
+            <a:p>
+              <a:pPr algn="ctr"/>
+              <a:endParaRPr lang="ko-KR" altLang="en-US">
+                <a:solidFill>
+                  <a:prstClr val="white"/>
+                </a:solidFill>
+              </a:endParaRPr>
+            </a:p>
+          </p:txBody>
+        </p:sp>
+        <p:sp>
+          <p:nvSpPr>
+            <p:cNvPr id="9" name="직각 삼각형 8">
+              <a:extLst>
+                <a:ext uri="{FF2B5EF4-FFF2-40B4-BE49-F238E27FC236}">
+                  <a16:creationId xmlns:a16="http://schemas.microsoft.com/office/drawing/2014/main" id="{7873723D-980F-4958-B3C4-A00DE693F87E}"/>
+                </a:ext>
+              </a:extLst>
+            </p:cNvPr>
+            <p:cNvSpPr/>
+            <p:nvPr/>
+          </p:nvSpPr>
+          <p:spPr>
+            <a:xfrm>
+              <a:off x="11509375" y="0"/>
+              <a:ext cx="682625" cy="6743700"/>
+            </a:xfrm>
+            <a:prstGeom prst="rtTriangle">
+              <a:avLst/>
+            </a:prstGeom>
+            <a:gradFill flip="none" rotWithShape="1">
+              <a:gsLst>
+                <a:gs pos="0">
+                  <a:schemeClr val="tx1">
+                    <a:alpha val="0"/>
+                  </a:schemeClr>
+                </a:gs>
+                <a:gs pos="100000">
+                  <a:schemeClr val="tx1">
+                    <a:alpha val="48000"/>
+                  </a:schemeClr>
+                </a:gs>
+              </a:gsLst>
+              <a:lin ang="10800000" scaled="1"/>
+              <a:tileRect/>
+            </a:gradFill>
+            <a:ln>
+              <a:noFill/>
+            </a:ln>
+            <a:effectLst>
+              <a:softEdge rad="127000"/>
+            </a:effectLst>
+          </p:spPr>
+          <p:style>
+            <a:lnRef idx="2">
+              <a:schemeClr val="accent1">
+                <a:shade val="50000"/>
+              </a:schemeClr>
+            </a:lnRef>
+            <a:fillRef idx="1">
+              <a:schemeClr val="accent1"/>
+            </a:fillRef>
+            <a:effectRef idx="0">
+              <a:schemeClr val="accent1"/>
+            </a:effectRef>
+            <a:fontRef idx="minor">
+              <a:schemeClr val="lt1"/>
+            </a:fontRef>
+          </p:style>
+          <p:txBody>
+            <a:bodyPr rtlCol="0" anchor="ctr"/>
+            <a:lstStyle/>
+            <a:p>
+              <a:pPr algn="ctr"/>
+              <a:endParaRPr lang="ko-KR" altLang="en-US">
+                <a:solidFill>
+                  <a:prstClr val="white"/>
+                </a:solidFill>
+              </a:endParaRPr>
+            </a:p>
+          </p:txBody>
+        </p:sp>
+        <p:sp>
+          <p:nvSpPr>
+            <p:cNvPr id="7" name="직사각형 6">
+              <a:extLst>
+                <a:ext uri="{FF2B5EF4-FFF2-40B4-BE49-F238E27FC236}">
+                  <a16:creationId xmlns:a16="http://schemas.microsoft.com/office/drawing/2014/main" id="{8A861E98-01FE-4D1A-A280-7A68D29B9D9E}"/>
+                </a:ext>
+              </a:extLst>
+            </p:cNvPr>
+            <p:cNvSpPr/>
+            <p:nvPr/>
+          </p:nvSpPr>
+          <p:spPr>
+            <a:xfrm>
+              <a:off x="400050" y="393700"/>
+              <a:ext cx="11391900" cy="6350000"/>
+            </a:xfrm>
+            <a:prstGeom prst="rect">
+              <a:avLst/>
+            </a:prstGeom>
+            <a:solidFill>
+              <a:schemeClr val="bg1"/>
+            </a:solidFill>
+            <a:ln>
+              <a:noFill/>
+            </a:ln>
+            <a:effectLst>
+              <a:outerShdw blurRad="127000" dist="1219200" dir="5400000" sx="80000" sy="80000" algn="t" rotWithShape="0">
+                <a:prstClr val="black">
+                  <a:alpha val="40000"/>
+                </a:prstClr>
+              </a:outerShdw>
+            </a:effectLst>
+          </p:spPr>
+          <p:style>
+            <a:lnRef idx="2">
+              <a:schemeClr val="accent1">
+                <a:shade val="50000"/>
+              </a:schemeClr>
+            </a:lnRef>
+            <a:fillRef idx="1">
+              <a:schemeClr val="accent1"/>
+            </a:fillRef>
+            <a:effectRef idx="0">
+              <a:schemeClr val="accent1"/>
+            </a:effectRef>
+            <a:fontRef idx="minor">
+              <a:schemeClr val="lt1"/>
+            </a:fontRef>
+          </p:style>
+          <p:txBody>
+            <a:bodyPr tIns="144000" rtlCol="0" anchor="t"/>
+            <a:lstStyle/>
+            <a:p>
+              <a:pPr algn="ctr" latinLnBrk="0">
+                <a:defRPr/>
+              </a:pPr>
+              <a:r>
+                <a:rPr lang="ko-KR" altLang="en-US" sz="2000" b="1" i="1" kern="0" dirty="0" err="1">
+                  <a:solidFill>
+                    <a:prstClr val="black">
+                      <a:lumMod val="75000"/>
+                      <a:lumOff val="25000"/>
+                    </a:prstClr>
+                  </a:solidFill>
+                </a:rPr>
+                <a:t>깃허브</a:t>
+              </a:r>
+              <a:r>
+                <a:rPr lang="ko-KR" altLang="en-US" sz="2000" b="1" i="1" kern="0" dirty="0">
+                  <a:solidFill>
+                    <a:prstClr val="black">
+                      <a:lumMod val="75000"/>
+                      <a:lumOff val="25000"/>
+                    </a:prstClr>
+                  </a:solidFill>
+                </a:rPr>
+                <a:t> </a:t>
+              </a:r>
+              <a:r>
+                <a:rPr lang="ko-KR" altLang="en-US" sz="2000" b="1" i="1" kern="0" dirty="0" err="1">
+                  <a:solidFill>
+                    <a:prstClr val="black">
+                      <a:lumMod val="75000"/>
+                      <a:lumOff val="25000"/>
+                    </a:prstClr>
+                  </a:solidFill>
+                </a:rPr>
+                <a:t>커밋기록</a:t>
+              </a:r>
+              <a:endParaRPr lang="en-US" altLang="ko-KR" sz="400" kern="0" dirty="0">
+                <a:solidFill>
+                  <a:prstClr val="white">
+                    <a:lumMod val="65000"/>
+                  </a:prstClr>
+                </a:solidFill>
+              </a:endParaRPr>
+            </a:p>
+            <a:p>
+              <a:pPr algn="ctr"/>
+              <a:endParaRPr lang="ko-KR" altLang="en-US" sz="1200" dirty="0">
+                <a:solidFill>
+                  <a:prstClr val="black">
+                    <a:lumMod val="75000"/>
+                    <a:lumOff val="25000"/>
+                  </a:prstClr>
+                </a:solidFill>
+              </a:endParaRPr>
+            </a:p>
+          </p:txBody>
+        </p:sp>
+      </p:grpSp>
+      <p:pic>
+        <p:nvPicPr>
+          <p:cNvPr id="5" name="그림 4">
+            <a:extLst>
+              <a:ext uri="{FF2B5EF4-FFF2-40B4-BE49-F238E27FC236}">
+                <a16:creationId xmlns:a16="http://schemas.microsoft.com/office/drawing/2014/main" id="{AB8964A8-9922-4AE5-9022-39DA7F340D6C}"/>
+              </a:ext>
+            </a:extLst>
+          </p:cNvPr>
+          <p:cNvPicPr>
+            <a:picLocks noChangeAspect="1"/>
+          </p:cNvPicPr>
+          <p:nvPr/>
+        </p:nvPicPr>
+        <p:blipFill>
+          <a:blip r:embed="rId2"/>
+          <a:stretch>
+            <a:fillRect/>
+          </a:stretch>
+        </p:blipFill>
+        <p:spPr>
+          <a:xfrm>
+            <a:off x="578840" y="890754"/>
+            <a:ext cx="11034319" cy="5573546"/>
+          </a:xfrm>
+          <a:prstGeom prst="rect">
+            <a:avLst/>
+          </a:prstGeom>
+        </p:spPr>
+      </p:pic>
+    </p:spTree>
+    <p:extLst>
+      <p:ext uri="{BB962C8B-B14F-4D97-AF65-F5344CB8AC3E}">
+        <p14:creationId xmlns:p14="http://schemas.microsoft.com/office/powerpoint/2010/main" val="3751680399"/>
       </p:ext>
     </p:extLst>
   </p:cSld>

--- a/발표/2DGP 게임 계획발표01.pptx
+++ b/발표/2DGP 게임 계획발표01.pptx
@@ -8,9 +8,9 @@
     <p:sldId id="257" r:id="rId2"/>
     <p:sldId id="258" r:id="rId3"/>
     <p:sldId id="259" r:id="rId4"/>
-    <p:sldId id="262" r:id="rId5"/>
-    <p:sldId id="261" r:id="rId6"/>
-    <p:sldId id="263" r:id="rId7"/>
+    <p:sldId id="265" r:id="rId5"/>
+    <p:sldId id="262" r:id="rId6"/>
+    <p:sldId id="261" r:id="rId7"/>
   </p:sldIdLst>
   <p:sldSz cx="12192000" cy="6858000"/>
   <p:notesSz cx="6858000" cy="9144000"/>
@@ -117,6 +117,90 @@
 </p:presentation>
 </file>
 
+<file path=ppt/ink/ink1.xml><?xml version="1.0" encoding="utf-8"?>
+<inkml:ink xmlns:inkml="http://www.w3.org/2003/InkML">
+  <inkml:definitions>
+    <inkml:context xml:id="ctx0">
+      <inkml:inkSource xml:id="inkSrc0">
+        <inkml:traceFormat>
+          <inkml:channel name="X" type="integer" min="-2.14748E9" max="2.14748E9" units="cm"/>
+          <inkml:channel name="Y" type="integer" min="-2.14748E9" max="2.14748E9" units="cm"/>
+          <inkml:channel name="F" type="integer" max="32767" units="dev"/>
+        </inkml:traceFormat>
+        <inkml:channelProperties>
+          <inkml:channelProperty channel="X" name="resolution" value="1000" units="1/cm"/>
+          <inkml:channelProperty channel="Y" name="resolution" value="1000" units="1/cm"/>
+          <inkml:channelProperty channel="F" name="resolution" value="0" units="1/dev"/>
+        </inkml:channelProperties>
+      </inkml:inkSource>
+      <inkml:timestamp xml:id="ts0" timeString="2021-09-26T02:07:30.764"/>
+    </inkml:context>
+    <inkml:brush xml:id="br0">
+      <inkml:brushProperty name="width" value="0.35" units="cm"/>
+      <inkml:brushProperty name="height" value="0.35" units="cm"/>
+      <inkml:brushProperty name="color" value="#008C3A"/>
+    </inkml:brush>
+  </inkml:definitions>
+  <inkml:trace contextRef="#ctx0" brushRef="#br0">1 2 24575,'211'-1'0,"239"3"0,-212 15 0,-37-2 0,-175-15 0,-6 1 0,0 0 0,0 1 0,29 6 0,-45-7 0,0 0 0,0 0 0,1 1 0,-1-1 0,-1 1 0,1 0 0,0 0 0,0 1 0,-1-1 0,1 1 0,-1-1 0,0 1 0,0 0 0,0 0 0,0 1 0,0-1 0,-1 1 0,1-1 0,-1 1 0,0 0 0,0 0 0,1 4 0,1 14 0,-1 0 0,0 0 0,-2 1 0,-1 0 0,-4 41 0,2-22 0,-7 569 0,26-440 0,1 46 0,-18-207 0,1 21 0,-1-1 0,-1 1 0,-2 0 0,-2-1 0,-8 35 0,8-49 0,-1 1 0,0-1 0,-1 1 0,-1-2 0,-11 19 0,15-29 0,0 0 0,0 0 0,-1 0 0,0 0 0,1-1 0,-2 1 0,1-1 0,0-1 0,-1 1 0,0-1 0,0 0 0,0 0 0,0 0 0,0-1 0,0 0 0,-14 2 0,-23 0 0,1-2 0,-1-1 0,-48-7 0,-9 1 0,-28 5 0,-63-2 0,178 1 0,0-1 0,0 0 0,1-1 0,-1 0 0,1-1 0,0 0 0,0-1 0,0 0 0,1-1 0,-1 0 0,-16-14 0,20 14 0,1-1 0,-1 1 0,2-1 0,-1-1 0,1 1 0,0-1 0,1-1 0,-1 1 0,2-1 0,-1 1 0,1-1 0,1 0 0,-1-1 0,2 1 0,-4-19 0,-2-16 0,-15-47 0,13 55 0,1 0 0,-6-57 0,12-272 0,6 189 0,-3-117 0,-1 288 0,1 0 0,0 0 0,0 0 0,1 0 0,-1-1 0,1 1 0,0 0 0,1 0 0,-1 1 0,1-1 0,0 0 0,0 0 0,1 1 0,-1-1 0,1 1 0,0 0 0,0 0 0,0 0 0,1 0 0,-1 1 0,1-1 0,0 1 0,0 0 0,6-4 0,14-7 0,0 0 0,1 2 0,0 1 0,1 1 0,0 1 0,1 1 0,0 1 0,0 2 0,1 0 0,-1 2 0,1 2 0,-1 0 0,30 3 0,-43-1 0,1 1 0,-1 1 0,0 0 0,21 7 0,-30-8 0,0 0 0,0 0 0,0 1 0,0 0 0,-1 0 0,1 0 0,-1 0 0,0 0 0,0 1 0,0 0 0,0 0 0,-1 0 0,1 0 0,-1 1 0,4 6 0,-2 1 0,-1 1 0,0 0 0,-1-1 0,0 1 0,-1 0 0,-1 1 0,0-1 0,0 0 0,-1 0 0,-3 21 0,-1-8 0,-1 0 0,-1 0 0,-1-1 0,-14 34 0,-15 16 0,25-56 0,1 0 0,1 1 0,1-1 0,1 2 0,1-1 0,-7 35 0,13-52 0,0 1 0,0-1 0,0 1 0,0-1 0,0 1 0,1-1 0,0 0 0,-1 1 0,1-1 0,0 0 0,1 1 0,-1-1 0,1 0 0,-1 0 0,1 0 0,4 4 0,-3-3 0,1 0 0,0-1 0,0 1 0,0-1 0,1 0 0,-1 0 0,1-1 0,0 1 0,9 2 0,7 1 0,0-1 0,0-1 0,0-1 0,28 1 0,24-3 0,-45-1 0,1 1 0,-1 1 0,33 7 0,-59-9 0,-1 0 0,0 0 0,0 0 0,0 0 0,0 1 0,0-1 0,1 0 0,-1 1 0,0-1 0,0 1 0,0-1 0,0 1 0,0-1 0,0 1 0,0 0 0,-1-1 0,1 1 0,0 0 0,0 0 0,0 0 0,-1 0 0,1 0 0,0-1 0,-1 1 0,1 0 0,-1 1 0,1-1 0,-1 0 0,0 0 0,1 0 0,-1 0 0,0 2 0,0 1 0,-1-1 0,0 1 0,0-1 0,-1 1 0,1-1 0,-1 0 0,0 1 0,-2 3 0,-4 7 0,-22 58 0,21-48 0,-14 30 0,-20 18 0,-56 73 0,24-38 0,38-53-1365</inkml:trace>
+</inkml:ink>
+</file>
+
+<file path=ppt/ink/ink2.xml><?xml version="1.0" encoding="utf-8"?>
+<inkml:ink xmlns:inkml="http://www.w3.org/2003/InkML">
+  <inkml:definitions>
+    <inkml:context xml:id="ctx0">
+      <inkml:inkSource xml:id="inkSrc0">
+        <inkml:traceFormat>
+          <inkml:channel name="X" type="integer" min="-2.14748E9" max="2.14748E9" units="cm"/>
+          <inkml:channel name="Y" type="integer" min="-2.14748E9" max="2.14748E9" units="cm"/>
+          <inkml:channel name="F" type="integer" max="32767" units="dev"/>
+        </inkml:traceFormat>
+        <inkml:channelProperties>
+          <inkml:channelProperty channel="X" name="resolution" value="1000" units="1/cm"/>
+          <inkml:channelProperty channel="Y" name="resolution" value="1000" units="1/cm"/>
+          <inkml:channelProperty channel="F" name="resolution" value="0" units="1/dev"/>
+        </inkml:channelProperties>
+      </inkml:inkSource>
+      <inkml:timestamp xml:id="ts0" timeString="2021-09-26T02:07:31.729"/>
+    </inkml:context>
+    <inkml:brush xml:id="br0">
+      <inkml:brushProperty name="width" value="0.35" units="cm"/>
+      <inkml:brushProperty name="height" value="0.35" units="cm"/>
+      <inkml:brushProperty name="color" value="#008C3A"/>
+    </inkml:brush>
+  </inkml:definitions>
+  <inkml:trace contextRef="#ctx0" brushRef="#br0">1 174 24575,'0'-12'0,"5"-15"0,9-10 0,8 1 0,5 8 0,5 7 0,3 9 0</inkml:trace>
+</inkml:ink>
+</file>
+
+<file path=ppt/ink/ink3.xml><?xml version="1.0" encoding="utf-8"?>
+<inkml:ink xmlns:inkml="http://www.w3.org/2003/InkML">
+  <inkml:definitions>
+    <inkml:context xml:id="ctx0">
+      <inkml:inkSource xml:id="inkSrc0">
+        <inkml:traceFormat>
+          <inkml:channel name="X" type="integer" min="-2.14748E9" max="2.14748E9" units="cm"/>
+          <inkml:channel name="Y" type="integer" min="-2.14748E9" max="2.14748E9" units="cm"/>
+          <inkml:channel name="F" type="integer" max="32767" units="dev"/>
+        </inkml:traceFormat>
+        <inkml:channelProperties>
+          <inkml:channelProperty channel="X" name="resolution" value="1000" units="1/cm"/>
+          <inkml:channelProperty channel="Y" name="resolution" value="1000" units="1/cm"/>
+          <inkml:channelProperty channel="F" name="resolution" value="0" units="1/dev"/>
+        </inkml:channelProperties>
+      </inkml:inkSource>
+      <inkml:timestamp xml:id="ts0" timeString="2021-09-26T02:07:33.268"/>
+    </inkml:context>
+    <inkml:brush xml:id="br0">
+      <inkml:brushProperty name="width" value="0.35" units="cm"/>
+      <inkml:brushProperty name="height" value="0.35" units="cm"/>
+      <inkml:brushProperty name="color" value="#008C3A"/>
+    </inkml:brush>
+  </inkml:definitions>
+  <inkml:trace contextRef="#ctx0" brushRef="#br0">110 0 24575,'0'85'0,"2"-13"0,-4 1 0,-12 84 0,8-120 0,3-11 0,-2 0 0,0-1 0,-16 43 0,10-44 0,2 0 0,1 0 0,0 0 0,2 1 0,1 1 0,1-1 0,0 28 0,4 325 0,3-143 0,-3 192 0,1-399-79,3 0 0,0 0 1,2-1-1,12 40 0,-9-38-892</inkml:trace>
+</inkml:ink>
+</file>
+
 <file path=ppt/slideLayouts/slideLayout1.xml><?xml version="1.0" encoding="utf-8"?>
 <p:sldLayout xmlns:a="http://schemas.openxmlformats.org/drawingml/2006/main" xmlns:r="http://schemas.openxmlformats.org/officeDocument/2006/relationships" xmlns:p="http://schemas.openxmlformats.org/presentationml/2006/main" type="title" preserve="1">
   <p:cSld name="제목 슬라이드">
@@ -271,7 +355,7 @@
                 </a:solidFill>
               </a:rPr>
               <a:pPr/>
-              <a:t>2021-10-20</a:t>
+              <a:t>2021-09-26</a:t>
             </a:fld>
             <a:endParaRPr lang="ko-KR" altLang="en-US">
               <a:solidFill>
@@ -501,7 +585,7 @@
                 </a:solidFill>
               </a:rPr>
               <a:pPr/>
-              <a:t>2021-10-20</a:t>
+              <a:t>2021-09-26</a:t>
             </a:fld>
             <a:endParaRPr lang="ko-KR" altLang="en-US">
               <a:solidFill>
@@ -741,7 +825,7 @@
                 </a:solidFill>
               </a:rPr>
               <a:pPr/>
-              <a:t>2021-10-20</a:t>
+              <a:t>2021-09-26</a:t>
             </a:fld>
             <a:endParaRPr lang="ko-KR" altLang="en-US">
               <a:solidFill>
@@ -971,7 +1055,7 @@
                 </a:solidFill>
               </a:rPr>
               <a:pPr/>
-              <a:t>2021-10-20</a:t>
+              <a:t>2021-09-26</a:t>
             </a:fld>
             <a:endParaRPr lang="ko-KR" altLang="en-US">
               <a:solidFill>
@@ -1278,7 +1362,7 @@
                 </a:solidFill>
               </a:rPr>
               <a:pPr/>
-              <a:t>2021-10-20</a:t>
+              <a:t>2021-09-26</a:t>
             </a:fld>
             <a:endParaRPr lang="ko-KR" altLang="en-US">
               <a:solidFill>
@@ -1575,7 +1659,7 @@
                 </a:solidFill>
               </a:rPr>
               <a:pPr/>
-              <a:t>2021-10-20</a:t>
+              <a:t>2021-09-26</a:t>
             </a:fld>
             <a:endParaRPr lang="ko-KR" altLang="en-US">
               <a:solidFill>
@@ -2019,7 +2103,7 @@
                 </a:solidFill>
               </a:rPr>
               <a:pPr/>
-              <a:t>2021-10-20</a:t>
+              <a:t>2021-09-26</a:t>
             </a:fld>
             <a:endParaRPr lang="ko-KR" altLang="en-US">
               <a:solidFill>
@@ -2192,7 +2276,7 @@
                 </a:solidFill>
               </a:rPr>
               <a:pPr/>
-              <a:t>2021-10-20</a:t>
+              <a:t>2021-09-26</a:t>
             </a:fld>
             <a:endParaRPr lang="ko-KR" altLang="en-US">
               <a:solidFill>
@@ -2337,7 +2421,7 @@
                 </a:solidFill>
               </a:rPr>
               <a:pPr/>
-              <a:t>2021-10-20</a:t>
+              <a:t>2021-09-26</a:t>
             </a:fld>
             <a:endParaRPr lang="ko-KR" altLang="en-US">
               <a:solidFill>
@@ -2680,7 +2764,7 @@
                 </a:solidFill>
               </a:rPr>
               <a:pPr/>
-              <a:t>2021-10-20</a:t>
+              <a:t>2021-09-26</a:t>
             </a:fld>
             <a:endParaRPr lang="ko-KR" altLang="en-US">
               <a:solidFill>
@@ -3000,7 +3084,7 @@
                 </a:solidFill>
               </a:rPr>
               <a:pPr/>
-              <a:t>2021-10-20</a:t>
+              <a:t>2021-09-26</a:t>
             </a:fld>
             <a:endParaRPr lang="ko-KR" altLang="en-US">
               <a:solidFill>
@@ -3273,7 +3357,7 @@
                 </a:solidFill>
               </a:rPr>
               <a:pPr/>
-              <a:t>2021-10-20</a:t>
+              <a:t>2021-09-26</a:t>
             </a:fld>
             <a:endParaRPr lang="ko-KR" altLang="en-US">
               <a:solidFill>
@@ -4020,7 +4104,7 @@
                     </a:prstClr>
                   </a:solidFill>
                 </a:rPr>
-                <a:t>2DGP 2</a:t>
+                <a:t>2DGP 1</a:t>
               </a:r>
               <a:r>
                 <a:rPr lang="ko-KR" altLang="en-US" sz="4400" b="1" i="1" kern="0" dirty="0">
@@ -4031,7 +4115,7 @@
                     </a:prstClr>
                   </a:solidFill>
                 </a:rPr>
-                <a:t>차 발표</a:t>
+                <a:t>차 프로젝트</a:t>
               </a:r>
               <a:endParaRPr lang="en-US" altLang="ko-KR" sz="4400" b="1" i="1" kern="0" dirty="0">
                 <a:solidFill>
@@ -4179,7 +4263,7 @@
         </p:nvGrpSpPr>
         <p:grpSpPr>
           <a:xfrm>
-            <a:off x="-1" y="385805"/>
+            <a:off x="-1" y="0"/>
             <a:ext cx="12192001" cy="6858000"/>
             <a:chOff x="-1" y="0"/>
             <a:chExt cx="12192001" cy="6858000"/>
@@ -4497,7 +4581,7 @@
         </p:nvSpPr>
         <p:spPr>
           <a:xfrm>
-            <a:off x="5114611" y="5213169"/>
+            <a:off x="5065185" y="5021637"/>
             <a:ext cx="2061629" cy="828674"/>
           </a:xfrm>
           <a:prstGeom prst="roundRect">
@@ -4539,18 +4623,13 @@
           <a:p>
             <a:pPr algn="ctr"/>
             <a:r>
-              <a:rPr lang="ko-KR" altLang="en-US" sz="2400" b="1" dirty="0" err="1">
+              <a:rPr lang="ko-KR" altLang="en-US" sz="2400" b="1" dirty="0">
                 <a:solidFill>
                   <a:srgbClr val="1A73DE"/>
                 </a:solidFill>
               </a:rPr>
-              <a:t>깃허브</a:t>
+              <a:t>개발범위</a:t>
             </a:r>
-            <a:endParaRPr lang="ko-KR" altLang="en-US" sz="2400" b="1" dirty="0">
-              <a:solidFill>
-                <a:srgbClr val="1A73DE"/>
-              </a:solidFill>
-            </a:endParaRPr>
           </a:p>
         </p:txBody>
       </p:sp>
@@ -4562,7 +4641,7 @@
         </p:nvSpPr>
         <p:spPr>
           <a:xfrm>
-            <a:off x="5114611" y="1853368"/>
+            <a:off x="5065185" y="1661836"/>
             <a:ext cx="2061629" cy="922057"/>
           </a:xfrm>
           <a:prstGeom prst="roundRect">
@@ -4633,7 +4712,7 @@
         </p:nvSpPr>
         <p:spPr>
           <a:xfrm>
-            <a:off x="5114611" y="4112099"/>
+            <a:off x="5065185" y="3920567"/>
             <a:ext cx="2061629" cy="922057"/>
           </a:xfrm>
           <a:prstGeom prst="roundRect">
@@ -4699,7 +4778,7 @@
         </p:nvSpPr>
         <p:spPr>
           <a:xfrm>
-            <a:off x="3960463" y="1864162"/>
+            <a:off x="3911037" y="1691165"/>
             <a:ext cx="892728" cy="892728"/>
           </a:xfrm>
           <a:prstGeom prst="flowChartConnector">
@@ -4749,7 +4828,7 @@
         </p:nvSpPr>
         <p:spPr>
           <a:xfrm>
-            <a:off x="3960463" y="2981051"/>
+            <a:off x="3911037" y="2789519"/>
             <a:ext cx="892728" cy="902448"/>
           </a:xfrm>
           <a:prstGeom prst="flowChartConnector">
@@ -4810,7 +4889,7 @@
         </p:nvSpPr>
         <p:spPr>
           <a:xfrm>
-            <a:off x="3960463" y="4141428"/>
+            <a:off x="3911037" y="3949896"/>
             <a:ext cx="892728" cy="892728"/>
           </a:xfrm>
           <a:prstGeom prst="flowChartConnector">
@@ -4860,7 +4939,7 @@
         </p:nvSpPr>
         <p:spPr>
           <a:xfrm>
-            <a:off x="5114611" y="3017938"/>
+            <a:off x="5065185" y="2826406"/>
             <a:ext cx="2061629" cy="828674"/>
           </a:xfrm>
           <a:prstGeom prst="roundRect">
@@ -4907,7 +4986,7 @@
                   <a:srgbClr val="1A73DE"/>
                 </a:solidFill>
               </a:rPr>
-              <a:t>개발범위</a:t>
+              <a:t>게임실행흐름</a:t>
             </a:r>
           </a:p>
         </p:txBody>
@@ -4926,7 +5005,7 @@
         </p:nvSpPr>
         <p:spPr>
           <a:xfrm>
-            <a:off x="3960463" y="5176282"/>
+            <a:off x="3911037" y="4984750"/>
             <a:ext cx="892728" cy="902448"/>
           </a:xfrm>
           <a:prstGeom prst="flowChartConnector">
@@ -5385,7 +5464,7 @@
         <p:spPr>
           <a:xfrm>
             <a:off x="1934747" y="3552475"/>
-            <a:ext cx="958917" cy="454292"/>
+            <a:ext cx="1107996" cy="454292"/>
           </a:xfrm>
           <a:prstGeom prst="rect">
             <a:avLst/>
@@ -5411,7 +5490,7 @@
                   </a:prstClr>
                 </a:solidFill>
               </a:rPr>
-              <a:t>맵 탐험</a:t>
+              <a:t>던전탐험</a:t>
             </a:r>
             <a:endParaRPr lang="en-US" altLang="ko-KR" b="1" dirty="0">
               <a:solidFill>
@@ -5659,6 +5738,14 @@
             <a:pPr algn="ctr"/>
             <a:r>
               <a:rPr lang="ko-KR" altLang="en-US" sz="2000" b="1" dirty="0" err="1"/>
+              <a:t>문라이트와</a:t>
+            </a:r>
+            <a:r>
+              <a:rPr lang="ko-KR" altLang="en-US" sz="2000" b="1" dirty="0"/>
+              <a:t> </a:t>
+            </a:r>
+            <a:r>
+              <a:rPr lang="ko-KR" altLang="en-US" sz="2000" b="1" dirty="0" err="1"/>
               <a:t>슈퍼마리오</a:t>
             </a:r>
             <a:r>
@@ -5682,6 +5769,677 @@
 </file>
 
 <file path=ppt/slides/slide4.xml><?xml version="1.0" encoding="utf-8"?>
+<p:sld xmlns:a="http://schemas.openxmlformats.org/drawingml/2006/main" xmlns:r="http://schemas.openxmlformats.org/officeDocument/2006/relationships" xmlns:p="http://schemas.openxmlformats.org/presentationml/2006/main">
+  <p:cSld>
+    <p:bg>
+      <p:bgPr>
+        <a:solidFill>
+          <a:schemeClr val="accent1">
+            <a:lumMod val="20000"/>
+            <a:lumOff val="80000"/>
+          </a:schemeClr>
+        </a:solidFill>
+        <a:effectLst/>
+      </p:bgPr>
+    </p:bg>
+    <p:spTree>
+      <p:nvGrpSpPr>
+        <p:cNvPr id="1" name=""/>
+        <p:cNvGrpSpPr/>
+        <p:nvPr/>
+      </p:nvGrpSpPr>
+      <p:grpSpPr>
+        <a:xfrm>
+          <a:off x="0" y="0"/>
+          <a:ext cx="0" cy="0"/>
+          <a:chOff x="0" y="0"/>
+          <a:chExt cx="0" cy="0"/>
+        </a:xfrm>
+      </p:grpSpPr>
+      <p:grpSp>
+        <p:nvGrpSpPr>
+          <p:cNvPr id="2" name="그룹 1"/>
+          <p:cNvGrpSpPr/>
+          <p:nvPr/>
+        </p:nvGrpSpPr>
+        <p:grpSpPr>
+          <a:xfrm>
+            <a:off x="-1" y="0"/>
+            <a:ext cx="12192001" cy="6858000"/>
+            <a:chOff x="-1" y="0"/>
+            <a:chExt cx="12192001" cy="6858000"/>
+          </a:xfrm>
+        </p:grpSpPr>
+        <p:sp>
+          <p:nvSpPr>
+            <p:cNvPr id="6" name="직사각형 5">
+              <a:extLst>
+                <a:ext uri="{FF2B5EF4-FFF2-40B4-BE49-F238E27FC236}">
+                  <a16:creationId xmlns:a16="http://schemas.microsoft.com/office/drawing/2014/main" id="{BBE3F4E5-FBD3-429A-BB66-B918A48431AB}"/>
+                </a:ext>
+              </a:extLst>
+            </p:cNvPr>
+            <p:cNvSpPr/>
+            <p:nvPr/>
+          </p:nvSpPr>
+          <p:spPr>
+            <a:xfrm>
+              <a:off x="0" y="6029325"/>
+              <a:ext cx="12192000" cy="828675"/>
+            </a:xfrm>
+            <a:prstGeom prst="rect">
+              <a:avLst/>
+            </a:prstGeom>
+            <a:gradFill>
+              <a:gsLst>
+                <a:gs pos="0">
+                  <a:schemeClr val="accent1">
+                    <a:lumMod val="40000"/>
+                    <a:lumOff val="60000"/>
+                  </a:schemeClr>
+                </a:gs>
+                <a:gs pos="100000">
+                  <a:schemeClr val="accent1">
+                    <a:lumMod val="20000"/>
+                    <a:lumOff val="80000"/>
+                  </a:schemeClr>
+                </a:gs>
+              </a:gsLst>
+              <a:lin ang="5400000" scaled="1"/>
+            </a:gradFill>
+            <a:ln>
+              <a:noFill/>
+            </a:ln>
+          </p:spPr>
+          <p:style>
+            <a:lnRef idx="2">
+              <a:schemeClr val="accent1">
+                <a:shade val="50000"/>
+              </a:schemeClr>
+            </a:lnRef>
+            <a:fillRef idx="1">
+              <a:schemeClr val="accent1"/>
+            </a:fillRef>
+            <a:effectRef idx="0">
+              <a:schemeClr val="accent1"/>
+            </a:effectRef>
+            <a:fontRef idx="minor">
+              <a:schemeClr val="lt1"/>
+            </a:fontRef>
+          </p:style>
+          <p:txBody>
+            <a:bodyPr rtlCol="0" anchor="ctr"/>
+            <a:lstStyle/>
+            <a:p>
+              <a:pPr algn="ctr"/>
+              <a:endParaRPr lang="ko-KR" altLang="en-US">
+                <a:solidFill>
+                  <a:prstClr val="white"/>
+                </a:solidFill>
+              </a:endParaRPr>
+            </a:p>
+          </p:txBody>
+        </p:sp>
+        <p:sp>
+          <p:nvSpPr>
+            <p:cNvPr id="8" name="직각 삼각형 7">
+              <a:extLst>
+                <a:ext uri="{FF2B5EF4-FFF2-40B4-BE49-F238E27FC236}">
+                  <a16:creationId xmlns:a16="http://schemas.microsoft.com/office/drawing/2014/main" id="{6B53E870-380E-4562-B34A-C52699AD12EA}"/>
+                </a:ext>
+              </a:extLst>
+            </p:cNvPr>
+            <p:cNvSpPr/>
+            <p:nvPr/>
+          </p:nvSpPr>
+          <p:spPr>
+            <a:xfrm flipH="1">
+              <a:off x="-1" y="0"/>
+              <a:ext cx="682625" cy="6743700"/>
+            </a:xfrm>
+            <a:prstGeom prst="rtTriangle">
+              <a:avLst/>
+            </a:prstGeom>
+            <a:gradFill flip="none" rotWithShape="1">
+              <a:gsLst>
+                <a:gs pos="0">
+                  <a:schemeClr val="tx1">
+                    <a:alpha val="0"/>
+                  </a:schemeClr>
+                </a:gs>
+                <a:gs pos="100000">
+                  <a:schemeClr val="tx1">
+                    <a:alpha val="48000"/>
+                  </a:schemeClr>
+                </a:gs>
+              </a:gsLst>
+              <a:lin ang="10800000" scaled="1"/>
+              <a:tileRect/>
+            </a:gradFill>
+            <a:ln>
+              <a:noFill/>
+            </a:ln>
+            <a:effectLst>
+              <a:softEdge rad="127000"/>
+            </a:effectLst>
+          </p:spPr>
+          <p:style>
+            <a:lnRef idx="2">
+              <a:schemeClr val="accent1">
+                <a:shade val="50000"/>
+              </a:schemeClr>
+            </a:lnRef>
+            <a:fillRef idx="1">
+              <a:schemeClr val="accent1"/>
+            </a:fillRef>
+            <a:effectRef idx="0">
+              <a:schemeClr val="accent1"/>
+            </a:effectRef>
+            <a:fontRef idx="minor">
+              <a:schemeClr val="lt1"/>
+            </a:fontRef>
+          </p:style>
+          <p:txBody>
+            <a:bodyPr rtlCol="0" anchor="ctr"/>
+            <a:lstStyle/>
+            <a:p>
+              <a:pPr algn="ctr"/>
+              <a:endParaRPr lang="ko-KR" altLang="en-US">
+                <a:solidFill>
+                  <a:prstClr val="white"/>
+                </a:solidFill>
+              </a:endParaRPr>
+            </a:p>
+          </p:txBody>
+        </p:sp>
+        <p:sp>
+          <p:nvSpPr>
+            <p:cNvPr id="9" name="직각 삼각형 8">
+              <a:extLst>
+                <a:ext uri="{FF2B5EF4-FFF2-40B4-BE49-F238E27FC236}">
+                  <a16:creationId xmlns:a16="http://schemas.microsoft.com/office/drawing/2014/main" id="{7873723D-980F-4958-B3C4-A00DE693F87E}"/>
+                </a:ext>
+              </a:extLst>
+            </p:cNvPr>
+            <p:cNvSpPr/>
+            <p:nvPr/>
+          </p:nvSpPr>
+          <p:spPr>
+            <a:xfrm>
+              <a:off x="11509375" y="0"/>
+              <a:ext cx="682625" cy="6743700"/>
+            </a:xfrm>
+            <a:prstGeom prst="rtTriangle">
+              <a:avLst/>
+            </a:prstGeom>
+            <a:gradFill flip="none" rotWithShape="1">
+              <a:gsLst>
+                <a:gs pos="0">
+                  <a:schemeClr val="tx1">
+                    <a:alpha val="0"/>
+                  </a:schemeClr>
+                </a:gs>
+                <a:gs pos="100000">
+                  <a:schemeClr val="tx1">
+                    <a:alpha val="48000"/>
+                  </a:schemeClr>
+                </a:gs>
+              </a:gsLst>
+              <a:lin ang="10800000" scaled="1"/>
+              <a:tileRect/>
+            </a:gradFill>
+            <a:ln>
+              <a:noFill/>
+            </a:ln>
+            <a:effectLst>
+              <a:softEdge rad="127000"/>
+            </a:effectLst>
+          </p:spPr>
+          <p:style>
+            <a:lnRef idx="2">
+              <a:schemeClr val="accent1">
+                <a:shade val="50000"/>
+              </a:schemeClr>
+            </a:lnRef>
+            <a:fillRef idx="1">
+              <a:schemeClr val="accent1"/>
+            </a:fillRef>
+            <a:effectRef idx="0">
+              <a:schemeClr val="accent1"/>
+            </a:effectRef>
+            <a:fontRef idx="minor">
+              <a:schemeClr val="lt1"/>
+            </a:fontRef>
+          </p:style>
+          <p:txBody>
+            <a:bodyPr rtlCol="0" anchor="ctr"/>
+            <a:lstStyle/>
+            <a:p>
+              <a:pPr algn="ctr"/>
+              <a:endParaRPr lang="ko-KR" altLang="en-US">
+                <a:solidFill>
+                  <a:prstClr val="white"/>
+                </a:solidFill>
+              </a:endParaRPr>
+            </a:p>
+          </p:txBody>
+        </p:sp>
+        <p:sp>
+          <p:nvSpPr>
+            <p:cNvPr id="7" name="직사각형 6">
+              <a:extLst>
+                <a:ext uri="{FF2B5EF4-FFF2-40B4-BE49-F238E27FC236}">
+                  <a16:creationId xmlns:a16="http://schemas.microsoft.com/office/drawing/2014/main" id="{8A861E98-01FE-4D1A-A280-7A68D29B9D9E}"/>
+                </a:ext>
+              </a:extLst>
+            </p:cNvPr>
+            <p:cNvSpPr/>
+            <p:nvPr/>
+          </p:nvSpPr>
+          <p:spPr>
+            <a:xfrm>
+              <a:off x="341311" y="292100"/>
+              <a:ext cx="11391900" cy="6350000"/>
+            </a:xfrm>
+            <a:prstGeom prst="rect">
+              <a:avLst/>
+            </a:prstGeom>
+            <a:solidFill>
+              <a:schemeClr val="bg1"/>
+            </a:solidFill>
+            <a:ln>
+              <a:noFill/>
+            </a:ln>
+            <a:effectLst>
+              <a:outerShdw blurRad="127000" dist="1219200" dir="5400000" sx="80000" sy="80000" algn="t" rotWithShape="0">
+                <a:prstClr val="black">
+                  <a:alpha val="40000"/>
+                </a:prstClr>
+              </a:outerShdw>
+            </a:effectLst>
+          </p:spPr>
+          <p:style>
+            <a:lnRef idx="2">
+              <a:schemeClr val="accent1">
+                <a:shade val="50000"/>
+              </a:schemeClr>
+            </a:lnRef>
+            <a:fillRef idx="1">
+              <a:schemeClr val="accent1"/>
+            </a:fillRef>
+            <a:effectRef idx="0">
+              <a:schemeClr val="accent1"/>
+            </a:effectRef>
+            <a:fontRef idx="minor">
+              <a:schemeClr val="lt1"/>
+            </a:fontRef>
+          </p:style>
+          <p:txBody>
+            <a:bodyPr tIns="144000" rtlCol="0" anchor="t"/>
+            <a:lstStyle/>
+            <a:p>
+              <a:pPr algn="ctr" latinLnBrk="0">
+                <a:defRPr/>
+              </a:pPr>
+              <a:r>
+                <a:rPr lang="ko-KR" altLang="en-US" sz="2000" b="1" i="1" kern="0" dirty="0">
+                  <a:solidFill>
+                    <a:prstClr val="black">
+                      <a:lumMod val="75000"/>
+                      <a:lumOff val="25000"/>
+                    </a:prstClr>
+                  </a:solidFill>
+                </a:rPr>
+                <a:t>게임 실행 흐름</a:t>
+              </a:r>
+              <a:endParaRPr lang="en-US" altLang="ko-KR" sz="2000" b="1" i="1" kern="0" dirty="0">
+                <a:solidFill>
+                  <a:prstClr val="black">
+                    <a:lumMod val="75000"/>
+                    <a:lumOff val="25000"/>
+                  </a:prstClr>
+                </a:solidFill>
+              </a:endParaRPr>
+            </a:p>
+            <a:p>
+              <a:pPr algn="ctr"/>
+              <a:endParaRPr lang="ko-KR" altLang="en-US" sz="1200" dirty="0">
+                <a:solidFill>
+                  <a:prstClr val="black">
+                    <a:lumMod val="75000"/>
+                    <a:lumOff val="25000"/>
+                  </a:prstClr>
+                </a:solidFill>
+              </a:endParaRPr>
+            </a:p>
+          </p:txBody>
+        </p:sp>
+      </p:grpSp>
+      <p:pic>
+        <p:nvPicPr>
+          <p:cNvPr id="10" name="그림 9">
+            <a:extLst>
+              <a:ext uri="{FF2B5EF4-FFF2-40B4-BE49-F238E27FC236}">
+                <a16:creationId xmlns:a16="http://schemas.microsoft.com/office/drawing/2014/main" id="{B9B4B190-895B-49A4-A221-6ADFF5C5B66E}"/>
+              </a:ext>
+            </a:extLst>
+          </p:cNvPr>
+          <p:cNvPicPr>
+            <a:picLocks noChangeAspect="1"/>
+          </p:cNvPicPr>
+          <p:nvPr/>
+        </p:nvPicPr>
+        <p:blipFill>
+          <a:blip r:embed="rId2">
+            <a:extLst>
+              <a:ext uri="{28A0092B-C50C-407E-A947-70E740481C1C}">
+                <a14:useLocalDpi xmlns:a14="http://schemas.microsoft.com/office/drawing/2010/main" val="0"/>
+              </a:ext>
+            </a:extLst>
+          </a:blip>
+          <a:stretch>
+            <a:fillRect/>
+          </a:stretch>
+        </p:blipFill>
+        <p:spPr>
+          <a:xfrm>
+            <a:off x="682624" y="1541462"/>
+            <a:ext cx="4753995" cy="2662237"/>
+          </a:xfrm>
+          <a:prstGeom prst="rect">
+            <a:avLst/>
+          </a:prstGeom>
+        </p:spPr>
+      </p:pic>
+      <p:sp>
+        <p:nvSpPr>
+          <p:cNvPr id="11" name="TextBox 10">
+            <a:extLst>
+              <a:ext uri="{FF2B5EF4-FFF2-40B4-BE49-F238E27FC236}">
+                <a16:creationId xmlns:a16="http://schemas.microsoft.com/office/drawing/2014/main" id="{D0108867-E26A-43D4-8A5D-7F1603BFCF6B}"/>
+              </a:ext>
+            </a:extLst>
+          </p:cNvPr>
+          <p:cNvSpPr txBox="1"/>
+          <p:nvPr/>
+        </p:nvSpPr>
+        <p:spPr>
+          <a:xfrm>
+            <a:off x="1921328" y="5176013"/>
+            <a:ext cx="2276585" cy="369332"/>
+          </a:xfrm>
+          <a:prstGeom prst="rect">
+            <a:avLst/>
+          </a:prstGeom>
+          <a:noFill/>
+        </p:spPr>
+        <p:txBody>
+          <a:bodyPr wrap="none" rtlCol="0">
+            <a:spAutoFit/>
+          </a:bodyPr>
+          <a:lstStyle/>
+          <a:p>
+            <a:r>
+              <a:rPr lang="ko-KR" altLang="en-US" dirty="0"/>
+              <a:t>토관에 들어가기 전</a:t>
+            </a:r>
+          </a:p>
+        </p:txBody>
+      </p:sp>
+      <p:pic>
+        <p:nvPicPr>
+          <p:cNvPr id="13" name="그림 12">
+            <a:extLst>
+              <a:ext uri="{FF2B5EF4-FFF2-40B4-BE49-F238E27FC236}">
+                <a16:creationId xmlns:a16="http://schemas.microsoft.com/office/drawing/2014/main" id="{172D9B0E-9A0D-4E93-99B3-77CA6D313FA6}"/>
+              </a:ext>
+            </a:extLst>
+          </p:cNvPr>
+          <p:cNvPicPr>
+            <a:picLocks noChangeAspect="1"/>
+          </p:cNvPicPr>
+          <p:nvPr/>
+        </p:nvPicPr>
+        <p:blipFill>
+          <a:blip r:embed="rId3"/>
+          <a:stretch>
+            <a:fillRect/>
+          </a:stretch>
+        </p:blipFill>
+        <p:spPr>
+          <a:xfrm>
+            <a:off x="5564189" y="1112627"/>
+            <a:ext cx="6169022" cy="3519905"/>
+          </a:xfrm>
+          <a:prstGeom prst="rect">
+            <a:avLst/>
+          </a:prstGeom>
+        </p:spPr>
+      </p:pic>
+      <p:sp>
+        <p:nvSpPr>
+          <p:cNvPr id="21" name="TextBox 20">
+            <a:extLst>
+              <a:ext uri="{FF2B5EF4-FFF2-40B4-BE49-F238E27FC236}">
+                <a16:creationId xmlns:a16="http://schemas.microsoft.com/office/drawing/2014/main" id="{0430C91E-D169-41E3-89BB-4061E2EBC961}"/>
+              </a:ext>
+            </a:extLst>
+          </p:cNvPr>
+          <p:cNvSpPr txBox="1"/>
+          <p:nvPr/>
+        </p:nvSpPr>
+        <p:spPr>
+          <a:xfrm>
+            <a:off x="7394991" y="5176013"/>
+            <a:ext cx="2507418" cy="369332"/>
+          </a:xfrm>
+          <a:prstGeom prst="rect">
+            <a:avLst/>
+          </a:prstGeom>
+          <a:noFill/>
+        </p:spPr>
+        <p:txBody>
+          <a:bodyPr wrap="none" rtlCol="0">
+            <a:spAutoFit/>
+          </a:bodyPr>
+          <a:lstStyle/>
+          <a:p>
+            <a:r>
+              <a:rPr lang="ko-KR" altLang="en-US"/>
+              <a:t>토관에 들어간 후 전투</a:t>
+            </a:r>
+            <a:endParaRPr lang="ko-KR" altLang="en-US" dirty="0"/>
+          </a:p>
+        </p:txBody>
+      </p:sp>
+      <p:grpSp>
+        <p:nvGrpSpPr>
+          <p:cNvPr id="27" name="그룹 26">
+            <a:extLst>
+              <a:ext uri="{FF2B5EF4-FFF2-40B4-BE49-F238E27FC236}">
+                <a16:creationId xmlns:a16="http://schemas.microsoft.com/office/drawing/2014/main" id="{53CBEAB0-C662-4BDA-868C-0CD5C46539CC}"/>
+              </a:ext>
+            </a:extLst>
+          </p:cNvPr>
+          <p:cNvGrpSpPr/>
+          <p:nvPr/>
+        </p:nvGrpSpPr>
+        <p:grpSpPr>
+          <a:xfrm>
+            <a:off x="5841660" y="2680140"/>
+            <a:ext cx="597960" cy="810720"/>
+            <a:chOff x="5841660" y="2680140"/>
+            <a:chExt cx="597960" cy="810720"/>
+          </a:xfrm>
+        </p:grpSpPr>
+        <mc:AlternateContent xmlns:mc="http://schemas.openxmlformats.org/markup-compatibility/2006">
+          <mc:Choice xmlns:p14="http://schemas.microsoft.com/office/powerpoint/2010/main" Requires="p14">
+            <p:contentPart p14:bwMode="auto" r:id="rId4">
+              <p14:nvContentPartPr>
+                <p14:cNvPr id="24" name="잉크 23">
+                  <a:extLst>
+                    <a:ext uri="{FF2B5EF4-FFF2-40B4-BE49-F238E27FC236}">
+                      <a16:creationId xmlns:a16="http://schemas.microsoft.com/office/drawing/2014/main" id="{13D1705A-6673-4245-A62F-DE7AE46C4261}"/>
+                    </a:ext>
+                  </a:extLst>
+                </p14:cNvPr>
+                <p14:cNvContentPartPr/>
+                <p14:nvPr/>
+              </p14:nvContentPartPr>
+              <p14:xfrm>
+                <a:off x="5841660" y="2805420"/>
+                <a:ext cx="483840" cy="627840"/>
+              </p14:xfrm>
+            </p:contentPart>
+          </mc:Choice>
+          <mc:Fallback>
+            <p:pic>
+              <p:nvPicPr>
+                <p:cNvPr id="24" name="잉크 23">
+                  <a:extLst>
+                    <a:ext uri="{FF2B5EF4-FFF2-40B4-BE49-F238E27FC236}">
+                      <a16:creationId xmlns:a16="http://schemas.microsoft.com/office/drawing/2014/main" id="{13D1705A-6673-4245-A62F-DE7AE46C4261}"/>
+                    </a:ext>
+                  </a:extLst>
+                </p:cNvPr>
+                <p:cNvPicPr/>
+                <p:nvPr/>
+              </p:nvPicPr>
+              <p:blipFill>
+                <a:blip r:embed="rId5"/>
+                <a:stretch>
+                  <a:fillRect/>
+                </a:stretch>
+              </p:blipFill>
+              <p:spPr>
+                <a:xfrm>
+                  <a:off x="5779020" y="2742780"/>
+                  <a:ext cx="609480" cy="753480"/>
+                </a:xfrm>
+                <a:prstGeom prst="rect">
+                  <a:avLst/>
+                </a:prstGeom>
+              </p:spPr>
+            </p:pic>
+          </mc:Fallback>
+        </mc:AlternateContent>
+        <mc:AlternateContent xmlns:mc="http://schemas.openxmlformats.org/markup-compatibility/2006">
+          <mc:Choice xmlns:p14="http://schemas.microsoft.com/office/powerpoint/2010/main" Requires="p14">
+            <p:contentPart p14:bwMode="auto" r:id="rId6">
+              <p14:nvContentPartPr>
+                <p14:cNvPr id="25" name="잉크 24">
+                  <a:extLst>
+                    <a:ext uri="{FF2B5EF4-FFF2-40B4-BE49-F238E27FC236}">
+                      <a16:creationId xmlns:a16="http://schemas.microsoft.com/office/drawing/2014/main" id="{549F2DC4-CDA0-499C-BC1F-1FFED6CC2416}"/>
+                    </a:ext>
+                  </a:extLst>
+                </p14:cNvPr>
+                <p14:cNvContentPartPr/>
+                <p14:nvPr/>
+              </p14:nvContentPartPr>
+              <p14:xfrm>
+                <a:off x="6388140" y="2680140"/>
+                <a:ext cx="48960" cy="63000"/>
+              </p14:xfrm>
+            </p:contentPart>
+          </mc:Choice>
+          <mc:Fallback>
+            <p:pic>
+              <p:nvPicPr>
+                <p:cNvPr id="25" name="잉크 24">
+                  <a:extLst>
+                    <a:ext uri="{FF2B5EF4-FFF2-40B4-BE49-F238E27FC236}">
+                      <a16:creationId xmlns:a16="http://schemas.microsoft.com/office/drawing/2014/main" id="{549F2DC4-CDA0-499C-BC1F-1FFED6CC2416}"/>
+                    </a:ext>
+                  </a:extLst>
+                </p:cNvPr>
+                <p:cNvPicPr/>
+                <p:nvPr/>
+              </p:nvPicPr>
+              <p:blipFill>
+                <a:blip r:embed="rId7"/>
+                <a:stretch>
+                  <a:fillRect/>
+                </a:stretch>
+              </p:blipFill>
+              <p:spPr>
+                <a:xfrm>
+                  <a:off x="6325500" y="2617500"/>
+                  <a:ext cx="174600" cy="188640"/>
+                </a:xfrm>
+                <a:prstGeom prst="rect">
+                  <a:avLst/>
+                </a:prstGeom>
+              </p:spPr>
+            </p:pic>
+          </mc:Fallback>
+        </mc:AlternateContent>
+        <mc:AlternateContent xmlns:mc="http://schemas.openxmlformats.org/markup-compatibility/2006">
+          <mc:Choice xmlns:p14="http://schemas.microsoft.com/office/powerpoint/2010/main" Requires="p14">
+            <p:contentPart p14:bwMode="auto" r:id="rId8">
+              <p14:nvContentPartPr>
+                <p14:cNvPr id="26" name="잉크 25">
+                  <a:extLst>
+                    <a:ext uri="{FF2B5EF4-FFF2-40B4-BE49-F238E27FC236}">
+                      <a16:creationId xmlns:a16="http://schemas.microsoft.com/office/drawing/2014/main" id="{CD1B32AD-E771-40CC-BE6A-D8F6232784A1}"/>
+                    </a:ext>
+                  </a:extLst>
+                </p14:cNvPr>
+                <p14:cNvContentPartPr/>
+                <p14:nvPr/>
+              </p14:nvContentPartPr>
+              <p14:xfrm>
+                <a:off x="6399300" y="2755740"/>
+                <a:ext cx="40320" cy="735120"/>
+              </p14:xfrm>
+            </p:contentPart>
+          </mc:Choice>
+          <mc:Fallback>
+            <p:pic>
+              <p:nvPicPr>
+                <p:cNvPr id="26" name="잉크 25">
+                  <a:extLst>
+                    <a:ext uri="{FF2B5EF4-FFF2-40B4-BE49-F238E27FC236}">
+                      <a16:creationId xmlns:a16="http://schemas.microsoft.com/office/drawing/2014/main" id="{CD1B32AD-E771-40CC-BE6A-D8F6232784A1}"/>
+                    </a:ext>
+                  </a:extLst>
+                </p:cNvPr>
+                <p:cNvPicPr/>
+                <p:nvPr/>
+              </p:nvPicPr>
+              <p:blipFill>
+                <a:blip r:embed="rId9"/>
+                <a:stretch>
+                  <a:fillRect/>
+                </a:stretch>
+              </p:blipFill>
+              <p:spPr>
+                <a:xfrm>
+                  <a:off x="6336660" y="2692740"/>
+                  <a:ext cx="165960" cy="860760"/>
+                </a:xfrm>
+                <a:prstGeom prst="rect">
+                  <a:avLst/>
+                </a:prstGeom>
+              </p:spPr>
+            </p:pic>
+          </mc:Fallback>
+        </mc:AlternateContent>
+      </p:grpSp>
+    </p:spTree>
+    <p:extLst>
+      <p:ext uri="{BB962C8B-B14F-4D97-AF65-F5344CB8AC3E}">
+        <p14:creationId xmlns:p14="http://schemas.microsoft.com/office/powerpoint/2010/main" val="2557982727"/>
+      </p:ext>
+    </p:extLst>
+  </p:cSld>
+  <p:clrMapOvr>
+    <a:masterClrMapping/>
+  </p:clrMapOvr>
+</p:sld>
+</file>
+
+<file path=ppt/slides/slide5.xml><?xml version="1.0" encoding="utf-8"?>
 <p:sld xmlns:a="http://schemas.openxmlformats.org/drawingml/2006/main" xmlns:r="http://schemas.openxmlformats.org/officeDocument/2006/relationships" xmlns:p="http://schemas.openxmlformats.org/presentationml/2006/main">
   <p:cSld>
     <p:bg>
@@ -6043,14 +6801,14 @@
           <p:nvPr>
             <p:extLst>
               <p:ext uri="{D42A27DB-BD31-4B8C-83A1-F6EECF244321}">
-                <p14:modId xmlns:p14="http://schemas.microsoft.com/office/powerpoint/2010/main" val="3109436461"/>
+                <p14:modId xmlns:p14="http://schemas.microsoft.com/office/powerpoint/2010/main" val="107657447"/>
               </p:ext>
             </p:extLst>
           </p:nvPr>
         </p:nvGraphicFramePr>
         <p:xfrm>
           <a:off x="1557337" y="846666"/>
-          <a:ext cx="9077325" cy="4980094"/>
+          <a:ext cx="9077325" cy="5803054"/>
         </p:xfrm>
         <a:graphic>
           <a:graphicData uri="http://schemas.openxmlformats.org/drawingml/2006/table">
@@ -6166,7 +6924,10 @@
                     <a:lstStyle/>
                     <a:p>
                       <a:pPr latinLnBrk="1"/>
-                      <a:endParaRPr lang="ko-KR" altLang="en-US" dirty="0"/>
+                      <a:r>
+                        <a:rPr lang="ko-KR" altLang="en-US" dirty="0"/>
+                        <a:t>토관에 들어갔을 시 좌우 상하움직임 </a:t>
+                      </a:r>
                     </a:p>
                   </a:txBody>
                   <a:tcPr/>
@@ -6317,6 +7078,14 @@
                     <a:lstStyle/>
                     <a:p>
                       <a:pPr latinLnBrk="1"/>
+                      <a:r>
+                        <a:rPr lang="ko-KR" altLang="en-US" dirty="0"/>
+                        <a:t>토관에 들어갔을 때 퍼즐형식게임이나 전투 추가</a:t>
+                      </a:r>
+                      <a:r>
+                        <a:rPr lang="en-US" altLang="ko-KR" dirty="0"/>
+                        <a:t>.</a:t>
+                      </a:r>
                       <a:endParaRPr lang="ko-KR" altLang="en-US" dirty="0"/>
                     </a:p>
                   </a:txBody>
@@ -6373,6 +7142,62 @@
                     <a:lstStyle/>
                     <a:p>
                       <a:pPr latinLnBrk="1"/>
+                      <a:r>
+                        <a:rPr lang="ko-KR" altLang="en-US" dirty="0"/>
+                        <a:t>토관 속 전투 진행 시</a:t>
+                      </a:r>
+                      <a:endParaRPr lang="en-US" altLang="ko-KR" dirty="0"/>
+                    </a:p>
+                    <a:p>
+                      <a:pPr latinLnBrk="1"/>
+                      <a:r>
+                        <a:rPr lang="ko-KR" altLang="en-US" dirty="0"/>
+                        <a:t>적</a:t>
+                      </a:r>
+                      <a:r>
+                        <a:rPr lang="en-US" altLang="ko-KR" dirty="0"/>
+                        <a:t>1)</a:t>
+                      </a:r>
+                      <a:r>
+                        <a:rPr lang="ko-KR" altLang="en-US" dirty="0"/>
+                        <a:t>주인공 발견 시 천천히 접근</a:t>
+                      </a:r>
+                      <a:endParaRPr lang="en-US" altLang="ko-KR" dirty="0"/>
+                    </a:p>
+                    <a:p>
+                      <a:pPr latinLnBrk="1"/>
+                      <a:r>
+                        <a:rPr lang="ko-KR" altLang="en-US" dirty="0"/>
+                        <a:t>적</a:t>
+                      </a:r>
+                      <a:r>
+                        <a:rPr lang="en-US" altLang="ko-KR" dirty="0"/>
+                        <a:t>2)</a:t>
+                      </a:r>
+                      <a:r>
+                        <a:rPr lang="ko-KR" altLang="en-US" dirty="0"/>
+                        <a:t>주인공 발견 시 사격</a:t>
+                      </a:r>
+                      <a:endParaRPr lang="en-US" altLang="ko-KR" dirty="0"/>
+                    </a:p>
+                    <a:p>
+                      <a:pPr latinLnBrk="1"/>
+                      <a:r>
+                        <a:rPr lang="ko-KR" altLang="en-US" dirty="0"/>
+                        <a:t>보스</a:t>
+                      </a:r>
+                      <a:r>
+                        <a:rPr lang="en-US" altLang="ko-KR" dirty="0"/>
+                        <a:t>) </a:t>
+                      </a:r>
+                      <a:r>
+                        <a:rPr lang="ko-KR" altLang="en-US" dirty="0"/>
+                        <a:t>빠르게 다가와 근접공격 혹은 특수기술</a:t>
+                      </a:r>
+                      <a:r>
+                        <a:rPr lang="en-US" altLang="ko-KR" dirty="0"/>
+                        <a:t>.</a:t>
+                      </a:r>
                       <a:endParaRPr lang="ko-KR" altLang="en-US" dirty="0"/>
                     </a:p>
                   </a:txBody>
@@ -6455,7 +7280,18 @@
                     <a:lstStyle/>
                     <a:p>
                       <a:pPr latinLnBrk="1"/>
-                      <a:endParaRPr lang="ko-KR" altLang="en-US" dirty="0"/>
+                      <a:r>
+                        <a:rPr lang="ko-KR" altLang="en-US" dirty="0"/>
+                        <a:t>토관 속 전투시 </a:t>
+                      </a:r>
+                      <a:endParaRPr lang="en-US" altLang="ko-KR" dirty="0"/>
+                    </a:p>
+                    <a:p>
+                      <a:pPr latinLnBrk="1"/>
+                      <a:r>
+                        <a:rPr lang="ko-KR" altLang="en-US" dirty="0"/>
+                        <a:t>벽이 부서지는 소리 </a:t>
+                      </a:r>
                     </a:p>
                   </a:txBody>
                   <a:tcPr/>
@@ -6545,7 +7381,7 @@
 </p:sld>
 </file>
 
-<file path=ppt/slides/slide5.xml><?xml version="1.0" encoding="utf-8"?>
+<file path=ppt/slides/slide6.xml><?xml version="1.0" encoding="utf-8"?>
 <p:sld xmlns:a="http://schemas.openxmlformats.org/drawingml/2006/main" xmlns:r="http://schemas.openxmlformats.org/officeDocument/2006/relationships" xmlns:p="http://schemas.openxmlformats.org/presentationml/2006/main">
   <p:cSld>
     <p:bg>
@@ -6906,14 +7742,14 @@
           <p:nvPr>
             <p:extLst>
               <p:ext uri="{D42A27DB-BD31-4B8C-83A1-F6EECF244321}">
-                <p14:modId xmlns:p14="http://schemas.microsoft.com/office/powerpoint/2010/main" val="3389544989"/>
+                <p14:modId xmlns:p14="http://schemas.microsoft.com/office/powerpoint/2010/main" val="617881021"/>
               </p:ext>
             </p:extLst>
           </p:nvPr>
         </p:nvGraphicFramePr>
         <p:xfrm>
           <a:off x="1727200" y="938215"/>
-          <a:ext cx="9512301" cy="5366382"/>
+          <a:ext cx="8737599" cy="5640702"/>
         </p:xfrm>
         <a:graphic>
           <a:graphicData uri="http://schemas.openxmlformats.org/drawingml/2006/table">
@@ -6922,21 +7758,21 @@
                 <a:tableStyleId>{5C22544A-7EE6-4342-B048-85BDC9FD1C3A}</a:tableStyleId>
               </a:tblPr>
               <a:tblGrid>
-                <a:gridCol w="1117600">
+                <a:gridCol w="1828800">
                   <a:extLst>
                     <a:ext uri="{9D8B030D-6E8A-4147-A177-3AD203B41FA5}">
                       <a16:colId xmlns:a16="http://schemas.microsoft.com/office/drawing/2014/main" val="3363374680"/>
                     </a:ext>
                   </a:extLst>
                 </a:gridCol>
-                <a:gridCol w="4013200">
+                <a:gridCol w="2997200">
                   <a:extLst>
                     <a:ext uri="{9D8B030D-6E8A-4147-A177-3AD203B41FA5}">
                       <a16:colId xmlns:a16="http://schemas.microsoft.com/office/drawing/2014/main" val="1926419618"/>
                     </a:ext>
                   </a:extLst>
                 </a:gridCol>
-                <a:gridCol w="4381501">
+                <a:gridCol w="3911599">
                   <a:extLst>
                     <a:ext uri="{9D8B030D-6E8A-4147-A177-3AD203B41FA5}">
                       <a16:colId xmlns:a16="http://schemas.microsoft.com/office/drawing/2014/main" val="845906046"/>
@@ -7026,7 +7862,7 @@
                       </a:r>
                       <a:r>
                         <a:rPr lang="en-US" altLang="ko-KR" dirty="0"/>
-                        <a:t>.(50%)</a:t>
+                        <a:t>.</a:t>
                       </a:r>
                     </a:p>
                     <a:p>
@@ -7035,13 +7871,8 @@
                       </a:pPr>
                       <a:r>
                         <a:rPr lang="ko-KR" altLang="en-US" dirty="0"/>
-                        <a:t>스테이지 맵 구상 </a:t>
-                      </a:r>
-                      <a:r>
-                        <a:rPr lang="en-US" altLang="ko-KR" dirty="0"/>
-                        <a:t>(80%)</a:t>
-                      </a:r>
-                      <a:endParaRPr lang="ko-KR" altLang="en-US" dirty="0"/>
+                        <a:t>스테이지 맵 구상</a:t>
+                      </a:r>
                     </a:p>
                   </a:txBody>
                   <a:tcPr/>
@@ -7064,69 +7895,9 @@
                         <a:rPr lang="ko-KR" altLang="en-US" dirty="0"/>
                         <a:t>수집</a:t>
                       </a:r>
-                      <a:endParaRPr lang="en-US" altLang="ko-KR" dirty="0"/>
-                    </a:p>
-                    <a:p>
-                      <a:pPr algn="ctr" latinLnBrk="1"/>
-                      <a:r>
-                        <a:rPr lang="ko-KR" altLang="en-US" dirty="0"/>
-                        <a:t>캐릭터 움직임 </a:t>
-                      </a:r>
-                      <a:endParaRPr lang="en-US" altLang="ko-KR" dirty="0"/>
-                    </a:p>
-                    <a:p>
-                      <a:pPr algn="ctr" latinLnBrk="1"/>
-                      <a:r>
-                        <a:rPr lang="en-US" altLang="ko-KR" dirty="0"/>
-                        <a:t>(</a:t>
-                      </a:r>
-                      <a:r>
-                        <a:rPr lang="ko-KR" altLang="en-US" dirty="0"/>
-                        <a:t>달리기 걷기</a:t>
-                      </a:r>
-                      <a:r>
-                        <a:rPr lang="en-US" altLang="ko-KR" dirty="0"/>
-                        <a:t>, </a:t>
-                      </a:r>
-                      <a:r>
-                        <a:rPr lang="ko-KR" altLang="en-US" dirty="0"/>
-                        <a:t>점프</a:t>
-                      </a:r>
-                      <a:r>
-                        <a:rPr lang="en-US" altLang="ko-KR" dirty="0"/>
-                        <a:t>, </a:t>
-                      </a:r>
-                      <a:r>
-                        <a:rPr lang="ko-KR" altLang="en-US" dirty="0"/>
-                        <a:t>방향전환</a:t>
-                      </a:r>
-                      <a:r>
-                        <a:rPr lang="en-US" altLang="ko-KR" dirty="0"/>
-                        <a:t>, </a:t>
-                      </a:r>
-                      <a:r>
-                        <a:rPr lang="ko-KR" altLang="en-US" dirty="0"/>
-                        <a:t>제동</a:t>
-                      </a:r>
-                      <a:r>
-                        <a:rPr lang="en-US" altLang="ko-KR" dirty="0"/>
-                        <a:t>)</a:t>
-                      </a:r>
-                    </a:p>
-                    <a:p>
-                      <a:pPr algn="ctr" latinLnBrk="1"/>
-                      <a:r>
-                        <a:rPr lang="ko-KR" altLang="en-US" dirty="0"/>
-                        <a:t>물음표 박스 구현</a:t>
-                      </a:r>
-                      <a:endParaRPr lang="en-US" altLang="ko-KR" dirty="0"/>
-                    </a:p>
-                    <a:p>
-                      <a:pPr algn="ctr" latinLnBrk="1"/>
-                      <a:endParaRPr lang="ko-KR" altLang="en-US" dirty="0"/>
                     </a:p>
                   </a:txBody>
-                  <a:tcPr anchor="ctr"/>
+                  <a:tcPr/>
                 </a:tc>
                 <a:extLst>
                   <a:ext uri="{0D108BD9-81ED-4DB2-BD59-A6C34878D82A}">
@@ -7167,7 +7938,7 @@
                       </a:r>
                       <a:r>
                         <a:rPr lang="en-US" altLang="ko-KR" dirty="0"/>
-                        <a:t>(80%)</a:t>
+                        <a:t>.</a:t>
                       </a:r>
                     </a:p>
                     <a:p>
@@ -7180,7 +7951,7 @@
                       </a:r>
                       <a:r>
                         <a:rPr lang="en-US" altLang="ko-KR" dirty="0"/>
-                        <a:t>.(10%)</a:t>
+                        <a:t>.</a:t>
                       </a:r>
                     </a:p>
                   </a:txBody>
@@ -7234,10 +8005,7 @@
                         <a:rPr lang="ko-KR" altLang="en-US" dirty="0"/>
                         <a:t>함정 구현</a:t>
                       </a:r>
-                      <a:r>
-                        <a:rPr lang="en-US" altLang="ko-KR" dirty="0"/>
-                        <a:t>(0%)</a:t>
-                      </a:r>
+                      <a:endParaRPr lang="en-US" altLang="ko-KR" dirty="0"/>
                     </a:p>
                     <a:p>
                       <a:pPr marL="342900" indent="-342900" latinLnBrk="1">
@@ -7247,11 +8015,6 @@
                         <a:rPr lang="ko-KR" altLang="en-US" dirty="0"/>
                         <a:t>상호작용 구현</a:t>
                       </a:r>
-                      <a:r>
-                        <a:rPr lang="en-US" altLang="ko-KR" dirty="0"/>
-                        <a:t>(0%)</a:t>
-                      </a:r>
-                      <a:endParaRPr lang="ko-KR" altLang="en-US" dirty="0"/>
                     </a:p>
                   </a:txBody>
                   <a:tcPr/>
@@ -7308,7 +8071,7 @@
                       </a:r>
                       <a:r>
                         <a:rPr lang="en-US" altLang="ko-KR" dirty="0"/>
-                        <a:t>.(0%)</a:t>
+                        <a:t>.</a:t>
                       </a:r>
                       <a:endParaRPr lang="ko-KR" altLang="en-US" dirty="0"/>
                     </a:p>
@@ -7493,6 +8256,18 @@
                     <a:lstStyle/>
                     <a:p>
                       <a:pPr latinLnBrk="1"/>
+                      <a:r>
+                        <a:rPr lang="en-US" altLang="ko-KR" dirty="0"/>
+                        <a:t>1. </a:t>
+                      </a:r>
+                      <a:r>
+                        <a:rPr lang="ko-KR" altLang="en-US" dirty="0"/>
+                        <a:t>토관 속 전투구현</a:t>
+                      </a:r>
+                      <a:r>
+                        <a:rPr lang="en-US" altLang="ko-KR" dirty="0"/>
+                        <a:t>.</a:t>
+                      </a:r>
                       <a:endParaRPr lang="ko-KR" altLang="en-US" dirty="0"/>
                     </a:p>
                   </a:txBody>
@@ -7637,417 +8412,6 @@
     <p:extLst>
       <p:ext uri="{BB962C8B-B14F-4D97-AF65-F5344CB8AC3E}">
         <p14:creationId xmlns:p14="http://schemas.microsoft.com/office/powerpoint/2010/main" val="515261463"/>
-      </p:ext>
-    </p:extLst>
-  </p:cSld>
-  <p:clrMapOvr>
-    <a:masterClrMapping/>
-  </p:clrMapOvr>
-</p:sld>
-</file>
-
-<file path=ppt/slides/slide6.xml><?xml version="1.0" encoding="utf-8"?>
-<p:sld xmlns:a="http://schemas.openxmlformats.org/drawingml/2006/main" xmlns:r="http://schemas.openxmlformats.org/officeDocument/2006/relationships" xmlns:p="http://schemas.openxmlformats.org/presentationml/2006/main">
-  <p:cSld>
-    <p:bg>
-      <p:bgPr>
-        <a:solidFill>
-          <a:schemeClr val="accent1">
-            <a:lumMod val="20000"/>
-            <a:lumOff val="80000"/>
-          </a:schemeClr>
-        </a:solidFill>
-        <a:effectLst/>
-      </p:bgPr>
-    </p:bg>
-    <p:spTree>
-      <p:nvGrpSpPr>
-        <p:cNvPr id="1" name=""/>
-        <p:cNvGrpSpPr/>
-        <p:nvPr/>
-      </p:nvGrpSpPr>
-      <p:grpSpPr>
-        <a:xfrm>
-          <a:off x="0" y="0"/>
-          <a:ext cx="0" cy="0"/>
-          <a:chOff x="0" y="0"/>
-          <a:chExt cx="0" cy="0"/>
-        </a:xfrm>
-      </p:grpSpPr>
-      <p:grpSp>
-        <p:nvGrpSpPr>
-          <p:cNvPr id="2" name="그룹 1"/>
-          <p:cNvGrpSpPr/>
-          <p:nvPr/>
-        </p:nvGrpSpPr>
-        <p:grpSpPr>
-          <a:xfrm>
-            <a:off x="-1" y="0"/>
-            <a:ext cx="12192001" cy="6858000"/>
-            <a:chOff x="-1" y="0"/>
-            <a:chExt cx="12192001" cy="6858000"/>
-          </a:xfrm>
-        </p:grpSpPr>
-        <p:sp>
-          <p:nvSpPr>
-            <p:cNvPr id="6" name="직사각형 5">
-              <a:extLst>
-                <a:ext uri="{FF2B5EF4-FFF2-40B4-BE49-F238E27FC236}">
-                  <a16:creationId xmlns:a16="http://schemas.microsoft.com/office/drawing/2014/main" id="{BBE3F4E5-FBD3-429A-BB66-B918A48431AB}"/>
-                </a:ext>
-              </a:extLst>
-            </p:cNvPr>
-            <p:cNvSpPr/>
-            <p:nvPr/>
-          </p:nvSpPr>
-          <p:spPr>
-            <a:xfrm>
-              <a:off x="0" y="6029325"/>
-              <a:ext cx="12192000" cy="828675"/>
-            </a:xfrm>
-            <a:prstGeom prst="rect">
-              <a:avLst/>
-            </a:prstGeom>
-            <a:gradFill>
-              <a:gsLst>
-                <a:gs pos="0">
-                  <a:schemeClr val="accent1">
-                    <a:lumMod val="40000"/>
-                    <a:lumOff val="60000"/>
-                  </a:schemeClr>
-                </a:gs>
-                <a:gs pos="100000">
-                  <a:schemeClr val="accent1">
-                    <a:lumMod val="20000"/>
-                    <a:lumOff val="80000"/>
-                  </a:schemeClr>
-                </a:gs>
-              </a:gsLst>
-              <a:lin ang="5400000" scaled="1"/>
-            </a:gradFill>
-            <a:ln>
-              <a:noFill/>
-            </a:ln>
-          </p:spPr>
-          <p:style>
-            <a:lnRef idx="2">
-              <a:schemeClr val="accent1">
-                <a:shade val="50000"/>
-              </a:schemeClr>
-            </a:lnRef>
-            <a:fillRef idx="1">
-              <a:schemeClr val="accent1"/>
-            </a:fillRef>
-            <a:effectRef idx="0">
-              <a:schemeClr val="accent1"/>
-            </a:effectRef>
-            <a:fontRef idx="minor">
-              <a:schemeClr val="lt1"/>
-            </a:fontRef>
-          </p:style>
-          <p:txBody>
-            <a:bodyPr rtlCol="0" anchor="ctr"/>
-            <a:lstStyle/>
-            <a:p>
-              <a:pPr algn="ctr"/>
-              <a:endParaRPr lang="ko-KR" altLang="en-US">
-                <a:solidFill>
-                  <a:prstClr val="white"/>
-                </a:solidFill>
-              </a:endParaRPr>
-            </a:p>
-          </p:txBody>
-        </p:sp>
-        <p:sp>
-          <p:nvSpPr>
-            <p:cNvPr id="8" name="직각 삼각형 7">
-              <a:extLst>
-                <a:ext uri="{FF2B5EF4-FFF2-40B4-BE49-F238E27FC236}">
-                  <a16:creationId xmlns:a16="http://schemas.microsoft.com/office/drawing/2014/main" id="{6B53E870-380E-4562-B34A-C52699AD12EA}"/>
-                </a:ext>
-              </a:extLst>
-            </p:cNvPr>
-            <p:cNvSpPr/>
-            <p:nvPr/>
-          </p:nvSpPr>
-          <p:spPr>
-            <a:xfrm flipH="1">
-              <a:off x="-1" y="0"/>
-              <a:ext cx="682625" cy="6743700"/>
-            </a:xfrm>
-            <a:prstGeom prst="rtTriangle">
-              <a:avLst/>
-            </a:prstGeom>
-            <a:gradFill flip="none" rotWithShape="1">
-              <a:gsLst>
-                <a:gs pos="0">
-                  <a:schemeClr val="tx1">
-                    <a:alpha val="0"/>
-                  </a:schemeClr>
-                </a:gs>
-                <a:gs pos="100000">
-                  <a:schemeClr val="tx1">
-                    <a:alpha val="48000"/>
-                  </a:schemeClr>
-                </a:gs>
-              </a:gsLst>
-              <a:lin ang="10800000" scaled="1"/>
-              <a:tileRect/>
-            </a:gradFill>
-            <a:ln>
-              <a:noFill/>
-            </a:ln>
-            <a:effectLst>
-              <a:softEdge rad="127000"/>
-            </a:effectLst>
-          </p:spPr>
-          <p:style>
-            <a:lnRef idx="2">
-              <a:schemeClr val="accent1">
-                <a:shade val="50000"/>
-              </a:schemeClr>
-            </a:lnRef>
-            <a:fillRef idx="1">
-              <a:schemeClr val="accent1"/>
-            </a:fillRef>
-            <a:effectRef idx="0">
-              <a:schemeClr val="accent1"/>
-            </a:effectRef>
-            <a:fontRef idx="minor">
-              <a:schemeClr val="lt1"/>
-            </a:fontRef>
-          </p:style>
-          <p:txBody>
-            <a:bodyPr rtlCol="0" anchor="ctr"/>
-            <a:lstStyle/>
-            <a:p>
-              <a:pPr algn="ctr"/>
-              <a:endParaRPr lang="ko-KR" altLang="en-US">
-                <a:solidFill>
-                  <a:prstClr val="white"/>
-                </a:solidFill>
-              </a:endParaRPr>
-            </a:p>
-          </p:txBody>
-        </p:sp>
-        <p:sp>
-          <p:nvSpPr>
-            <p:cNvPr id="9" name="직각 삼각형 8">
-              <a:extLst>
-                <a:ext uri="{FF2B5EF4-FFF2-40B4-BE49-F238E27FC236}">
-                  <a16:creationId xmlns:a16="http://schemas.microsoft.com/office/drawing/2014/main" id="{7873723D-980F-4958-B3C4-A00DE693F87E}"/>
-                </a:ext>
-              </a:extLst>
-            </p:cNvPr>
-            <p:cNvSpPr/>
-            <p:nvPr/>
-          </p:nvSpPr>
-          <p:spPr>
-            <a:xfrm>
-              <a:off x="11509375" y="0"/>
-              <a:ext cx="682625" cy="6743700"/>
-            </a:xfrm>
-            <a:prstGeom prst="rtTriangle">
-              <a:avLst/>
-            </a:prstGeom>
-            <a:gradFill flip="none" rotWithShape="1">
-              <a:gsLst>
-                <a:gs pos="0">
-                  <a:schemeClr val="tx1">
-                    <a:alpha val="0"/>
-                  </a:schemeClr>
-                </a:gs>
-                <a:gs pos="100000">
-                  <a:schemeClr val="tx1">
-                    <a:alpha val="48000"/>
-                  </a:schemeClr>
-                </a:gs>
-              </a:gsLst>
-              <a:lin ang="10800000" scaled="1"/>
-              <a:tileRect/>
-            </a:gradFill>
-            <a:ln>
-              <a:noFill/>
-            </a:ln>
-            <a:effectLst>
-              <a:softEdge rad="127000"/>
-            </a:effectLst>
-          </p:spPr>
-          <p:style>
-            <a:lnRef idx="2">
-              <a:schemeClr val="accent1">
-                <a:shade val="50000"/>
-              </a:schemeClr>
-            </a:lnRef>
-            <a:fillRef idx="1">
-              <a:schemeClr val="accent1"/>
-            </a:fillRef>
-            <a:effectRef idx="0">
-              <a:schemeClr val="accent1"/>
-            </a:effectRef>
-            <a:fontRef idx="minor">
-              <a:schemeClr val="lt1"/>
-            </a:fontRef>
-          </p:style>
-          <p:txBody>
-            <a:bodyPr rtlCol="0" anchor="ctr"/>
-            <a:lstStyle/>
-            <a:p>
-              <a:pPr algn="ctr"/>
-              <a:endParaRPr lang="ko-KR" altLang="en-US">
-                <a:solidFill>
-                  <a:prstClr val="white"/>
-                </a:solidFill>
-              </a:endParaRPr>
-            </a:p>
-          </p:txBody>
-        </p:sp>
-        <p:sp>
-          <p:nvSpPr>
-            <p:cNvPr id="7" name="직사각형 6">
-              <a:extLst>
-                <a:ext uri="{FF2B5EF4-FFF2-40B4-BE49-F238E27FC236}">
-                  <a16:creationId xmlns:a16="http://schemas.microsoft.com/office/drawing/2014/main" id="{8A861E98-01FE-4D1A-A280-7A68D29B9D9E}"/>
-                </a:ext>
-              </a:extLst>
-            </p:cNvPr>
-            <p:cNvSpPr/>
-            <p:nvPr/>
-          </p:nvSpPr>
-          <p:spPr>
-            <a:xfrm>
-              <a:off x="400050" y="393700"/>
-              <a:ext cx="11391900" cy="6350000"/>
-            </a:xfrm>
-            <a:prstGeom prst="rect">
-              <a:avLst/>
-            </a:prstGeom>
-            <a:solidFill>
-              <a:schemeClr val="bg1"/>
-            </a:solidFill>
-            <a:ln>
-              <a:noFill/>
-            </a:ln>
-            <a:effectLst>
-              <a:outerShdw blurRad="127000" dist="1219200" dir="5400000" sx="80000" sy="80000" algn="t" rotWithShape="0">
-                <a:prstClr val="black">
-                  <a:alpha val="40000"/>
-                </a:prstClr>
-              </a:outerShdw>
-            </a:effectLst>
-          </p:spPr>
-          <p:style>
-            <a:lnRef idx="2">
-              <a:schemeClr val="accent1">
-                <a:shade val="50000"/>
-              </a:schemeClr>
-            </a:lnRef>
-            <a:fillRef idx="1">
-              <a:schemeClr val="accent1"/>
-            </a:fillRef>
-            <a:effectRef idx="0">
-              <a:schemeClr val="accent1"/>
-            </a:effectRef>
-            <a:fontRef idx="minor">
-              <a:schemeClr val="lt1"/>
-            </a:fontRef>
-          </p:style>
-          <p:txBody>
-            <a:bodyPr tIns="144000" rtlCol="0" anchor="t"/>
-            <a:lstStyle/>
-            <a:p>
-              <a:pPr algn="ctr" latinLnBrk="0">
-                <a:defRPr/>
-              </a:pPr>
-              <a:r>
-                <a:rPr lang="ko-KR" altLang="en-US" sz="2000" b="1" i="1" kern="0" dirty="0" err="1">
-                  <a:solidFill>
-                    <a:prstClr val="black">
-                      <a:lumMod val="75000"/>
-                      <a:lumOff val="25000"/>
-                    </a:prstClr>
-                  </a:solidFill>
-                </a:rPr>
-                <a:t>깃허브</a:t>
-              </a:r>
-              <a:r>
-                <a:rPr lang="ko-KR" altLang="en-US" sz="2000" b="1" i="1" kern="0" dirty="0">
-                  <a:solidFill>
-                    <a:prstClr val="black">
-                      <a:lumMod val="75000"/>
-                      <a:lumOff val="25000"/>
-                    </a:prstClr>
-                  </a:solidFill>
-                </a:rPr>
-                <a:t> </a:t>
-              </a:r>
-              <a:r>
-                <a:rPr lang="ko-KR" altLang="en-US" sz="2000" b="1" i="1" kern="0" dirty="0" err="1">
-                  <a:solidFill>
-                    <a:prstClr val="black">
-                      <a:lumMod val="75000"/>
-                      <a:lumOff val="25000"/>
-                    </a:prstClr>
-                  </a:solidFill>
-                </a:rPr>
-                <a:t>커밋기록</a:t>
-              </a:r>
-              <a:endParaRPr lang="en-US" altLang="ko-KR" sz="400" kern="0" dirty="0">
-                <a:solidFill>
-                  <a:prstClr val="white">
-                    <a:lumMod val="65000"/>
-                  </a:prstClr>
-                </a:solidFill>
-              </a:endParaRPr>
-            </a:p>
-            <a:p>
-              <a:pPr algn="ctr"/>
-              <a:endParaRPr lang="ko-KR" altLang="en-US" sz="1200" dirty="0">
-                <a:solidFill>
-                  <a:prstClr val="black">
-                    <a:lumMod val="75000"/>
-                    <a:lumOff val="25000"/>
-                  </a:prstClr>
-                </a:solidFill>
-              </a:endParaRPr>
-            </a:p>
-          </p:txBody>
-        </p:sp>
-      </p:grpSp>
-      <p:pic>
-        <p:nvPicPr>
-          <p:cNvPr id="5" name="그림 4">
-            <a:extLst>
-              <a:ext uri="{FF2B5EF4-FFF2-40B4-BE49-F238E27FC236}">
-                <a16:creationId xmlns:a16="http://schemas.microsoft.com/office/drawing/2014/main" id="{AB8964A8-9922-4AE5-9022-39DA7F340D6C}"/>
-              </a:ext>
-            </a:extLst>
-          </p:cNvPr>
-          <p:cNvPicPr>
-            <a:picLocks noChangeAspect="1"/>
-          </p:cNvPicPr>
-          <p:nvPr/>
-        </p:nvPicPr>
-        <p:blipFill>
-          <a:blip r:embed="rId2"/>
-          <a:stretch>
-            <a:fillRect/>
-          </a:stretch>
-        </p:blipFill>
-        <p:spPr>
-          <a:xfrm>
-            <a:off x="578840" y="890754"/>
-            <a:ext cx="11034319" cy="5573546"/>
-          </a:xfrm>
-          <a:prstGeom prst="rect">
-            <a:avLst/>
-          </a:prstGeom>
-        </p:spPr>
-      </p:pic>
-    </p:spTree>
-    <p:extLst>
-      <p:ext uri="{BB962C8B-B14F-4D97-AF65-F5344CB8AC3E}">
-        <p14:creationId xmlns:p14="http://schemas.microsoft.com/office/powerpoint/2010/main" val="3751680399"/>
       </p:ext>
     </p:extLst>
   </p:cSld>
